--- a/munkamenet.pptx
+++ b/munkamenet.pptx
@@ -6,6 +6,7 @@
   </p:sldMasterIdLst>
   <p:sldIdLst>
     <p:sldId id="256" r:id="rId2"/>
+    <p:sldId id="257" r:id="rId3"/>
   </p:sldIdLst>
   <p:sldSz cx="12192000" cy="6858000"/>
   <p:notesSz cx="6858000" cy="9144000"/>
@@ -3476,6 +3477,156 @@
 </p:sld>
 </file>
 
+<file path=ppt/slides/slide2.xml><?xml version="1.0" encoding="utf-8"?>
+<p:sld xmlns:a="http://schemas.openxmlformats.org/drawingml/2006/main" xmlns:r="http://schemas.openxmlformats.org/officeDocument/2006/relationships" xmlns:p="http://schemas.openxmlformats.org/presentationml/2006/main">
+  <p:cSld>
+    <p:spTree>
+      <p:nvGrpSpPr>
+        <p:cNvPr id="1" name=""/>
+        <p:cNvGrpSpPr/>
+        <p:nvPr/>
+      </p:nvGrpSpPr>
+      <p:grpSpPr>
+        <a:xfrm>
+          <a:off x="0" y="0"/>
+          <a:ext cx="0" cy="0"/>
+          <a:chOff x="0" y="0"/>
+          <a:chExt cx="0" cy="0"/>
+        </a:xfrm>
+      </p:grpSpPr>
+      <p:sp>
+        <p:nvSpPr>
+          <p:cNvPr id="2" name="Cím 1">
+            <a:extLst>
+              <a:ext uri="{FF2B5EF4-FFF2-40B4-BE49-F238E27FC236}">
+                <a16:creationId xmlns:a16="http://schemas.microsoft.com/office/drawing/2014/main" id="{4F64DFC0-6D34-B1CE-F9E5-67E109247D65}"/>
+              </a:ext>
+            </a:extLst>
+          </p:cNvPr>
+          <p:cNvSpPr>
+            <a:spLocks noGrp="1"/>
+          </p:cNvSpPr>
+          <p:nvPr>
+            <p:ph type="title"/>
+          </p:nvPr>
+        </p:nvSpPr>
+        <p:spPr/>
+        <p:txBody>
+          <a:bodyPr/>
+          <a:lstStyle/>
+          <a:p>
+            <a:r>
+              <a:rPr lang="hu-HU" dirty="0"/>
+              <a:t>Platformok Amin dolgoztunk</a:t>
+            </a:r>
+          </a:p>
+        </p:txBody>
+      </p:sp>
+      <p:sp>
+        <p:nvSpPr>
+          <p:cNvPr id="3" name="Tartalom helye 2">
+            <a:extLst>
+              <a:ext uri="{FF2B5EF4-FFF2-40B4-BE49-F238E27FC236}">
+                <a16:creationId xmlns:a16="http://schemas.microsoft.com/office/drawing/2014/main" id="{92B39AC8-AAD1-EBDD-2176-E9B8D68E6634}"/>
+              </a:ext>
+            </a:extLst>
+          </p:cNvPr>
+          <p:cNvSpPr>
+            <a:spLocks noGrp="1"/>
+          </p:cNvSpPr>
+          <p:nvPr>
+            <p:ph idx="1"/>
+          </p:nvPr>
+        </p:nvSpPr>
+        <p:spPr/>
+        <p:txBody>
+          <a:bodyPr/>
+          <a:lstStyle/>
+          <a:p>
+            <a:r>
+              <a:rPr lang="hu-HU" dirty="0" err="1"/>
+              <a:t>Discord</a:t>
+            </a:r>
+            <a:r>
+              <a:rPr lang="hu-HU" dirty="0"/>
+              <a:t> (beszélgetés)</a:t>
+            </a:r>
+          </a:p>
+          <a:p>
+            <a:r>
+              <a:rPr lang="hu-HU" dirty="0"/>
+              <a:t>Visual </a:t>
+            </a:r>
+            <a:r>
+              <a:rPr lang="hu-HU" dirty="0" err="1"/>
+              <a:t>Studio</a:t>
+            </a:r>
+            <a:r>
+              <a:rPr lang="hu-HU" dirty="0"/>
+              <a:t> </a:t>
+            </a:r>
+            <a:r>
+              <a:rPr lang="hu-HU" dirty="0" err="1"/>
+              <a:t>Code</a:t>
+            </a:r>
+            <a:r>
+              <a:rPr lang="hu-HU" dirty="0"/>
+              <a:t> (HTML, CSS, </a:t>
+            </a:r>
+            <a:r>
+              <a:rPr lang="hu-HU" dirty="0" err="1"/>
+              <a:t>Javascript</a:t>
+            </a:r>
+            <a:r>
+              <a:rPr lang="hu-HU" dirty="0"/>
+              <a:t> írása) </a:t>
+            </a:r>
+          </a:p>
+          <a:p>
+            <a:r>
+              <a:rPr lang="hu-HU" dirty="0"/>
+              <a:t>Word (Folyamat ábra rajzolása)</a:t>
+            </a:r>
+          </a:p>
+          <a:p>
+            <a:r>
+              <a:rPr lang="hu-HU" dirty="0" err="1"/>
+              <a:t>Powerpoint</a:t>
+            </a:r>
+            <a:r>
+              <a:rPr lang="hu-HU" dirty="0"/>
+              <a:t> (Munkamenet bemutatása)</a:t>
+            </a:r>
+          </a:p>
+          <a:p>
+            <a:r>
+              <a:rPr lang="hu-HU" dirty="0"/>
+              <a:t>Draw.io (Folyamat ábra </a:t>
+            </a:r>
+            <a:r>
+              <a:rPr lang="hu-HU" dirty="0" err="1"/>
+              <a:t>készitése</a:t>
+            </a:r>
+            <a:r>
+              <a:rPr lang="hu-HU" dirty="0"/>
+              <a:t>)</a:t>
+            </a:r>
+          </a:p>
+        </p:txBody>
+      </p:sp>
+    </p:spTree>
+    <p:extLst>
+      <p:ext uri="{BB962C8B-B14F-4D97-AF65-F5344CB8AC3E}">
+        <p14:creationId xmlns:p14="http://schemas.microsoft.com/office/powerpoint/2010/main" val="1673015713"/>
+      </p:ext>
+    </p:extLst>
+  </p:cSld>
+  <p:clrMapOvr>
+    <a:masterClrMapping/>
+  </p:clrMapOvr>
+</p:sld>
+</file>
+
 <file path=ppt/theme/theme1.xml><?xml version="1.0" encoding="utf-8"?>
 <a:theme xmlns:a="http://schemas.openxmlformats.org/drawingml/2006/main" name="Office-téma">
   <a:themeElements>

--- a/munkamenet.pptx
+++ b/munkamenet.pptx
@@ -4,9 +4,17 @@
   <p:sldMasterIdLst>
     <p:sldMasterId id="2147483648" r:id="rId1"/>
   </p:sldMasterIdLst>
+  <p:notesMasterIdLst>
+    <p:notesMasterId r:id="rId9"/>
+  </p:notesMasterIdLst>
   <p:sldIdLst>
     <p:sldId id="256" r:id="rId2"/>
     <p:sldId id="257" r:id="rId3"/>
+    <p:sldId id="258" r:id="rId4"/>
+    <p:sldId id="259" r:id="rId5"/>
+    <p:sldId id="260" r:id="rId6"/>
+    <p:sldId id="261" r:id="rId7"/>
+    <p:sldId id="262" r:id="rId8"/>
   </p:sldIdLst>
   <p:sldSz cx="12192000" cy="6858000"/>
   <p:notesSz cx="6858000" cy="9144000"/>
@@ -105,7 +113,445 @@
       </a:defRPr>
     </a:lvl9pPr>
   </p:defaultTextStyle>
+  <p:extLst>
+    <p:ext uri="{EFAFB233-063F-42B5-8137-9DF3F51BA10A}">
+      <p15:sldGuideLst xmlns:p15="http://schemas.microsoft.com/office/powerpoint/2012/main"/>
+    </p:ext>
+  </p:extLst>
 </p:presentation>
+</file>
+
+<file path=ppt/notesMasters/notesMaster1.xml><?xml version="1.0" encoding="utf-8"?>
+<p:notesMaster xmlns:a="http://schemas.openxmlformats.org/drawingml/2006/main" xmlns:r="http://schemas.openxmlformats.org/officeDocument/2006/relationships" xmlns:p="http://schemas.openxmlformats.org/presentationml/2006/main">
+  <p:cSld>
+    <p:bg>
+      <p:bgRef idx="1001">
+        <a:schemeClr val="bg1"/>
+      </p:bgRef>
+    </p:bg>
+    <p:spTree>
+      <p:nvGrpSpPr>
+        <p:cNvPr id="1" name=""/>
+        <p:cNvGrpSpPr/>
+        <p:nvPr/>
+      </p:nvGrpSpPr>
+      <p:grpSpPr>
+        <a:xfrm>
+          <a:off x="0" y="0"/>
+          <a:ext cx="0" cy="0"/>
+          <a:chOff x="0" y="0"/>
+          <a:chExt cx="0" cy="0"/>
+        </a:xfrm>
+      </p:grpSpPr>
+      <p:sp>
+        <p:nvSpPr>
+          <p:cNvPr id="2" name="Élőfej helye 1"/>
+          <p:cNvSpPr>
+            <a:spLocks noGrp="1"/>
+          </p:cNvSpPr>
+          <p:nvPr>
+            <p:ph type="hdr" sz="quarter"/>
+          </p:nvPr>
+        </p:nvSpPr>
+        <p:spPr>
+          <a:xfrm>
+            <a:off x="0" y="0"/>
+            <a:ext cx="2971800" cy="458788"/>
+          </a:xfrm>
+          <a:prstGeom prst="rect">
+            <a:avLst/>
+          </a:prstGeom>
+        </p:spPr>
+        <p:txBody>
+          <a:bodyPr vert="horz" lIns="91440" tIns="45720" rIns="91440" bIns="45720" rtlCol="0"/>
+          <a:lstStyle>
+            <a:lvl1pPr algn="l">
+              <a:defRPr sz="1200"/>
+            </a:lvl1pPr>
+          </a:lstStyle>
+          <a:p>
+            <a:endParaRPr lang="hu-HU"/>
+          </a:p>
+        </p:txBody>
+      </p:sp>
+      <p:sp>
+        <p:nvSpPr>
+          <p:cNvPr id="3" name="Dátum helye 2"/>
+          <p:cNvSpPr>
+            <a:spLocks noGrp="1"/>
+          </p:cNvSpPr>
+          <p:nvPr>
+            <p:ph type="dt" idx="1"/>
+          </p:nvPr>
+        </p:nvSpPr>
+        <p:spPr>
+          <a:xfrm>
+            <a:off x="3884613" y="0"/>
+            <a:ext cx="2971800" cy="458788"/>
+          </a:xfrm>
+          <a:prstGeom prst="rect">
+            <a:avLst/>
+          </a:prstGeom>
+        </p:spPr>
+        <p:txBody>
+          <a:bodyPr vert="horz" lIns="91440" tIns="45720" rIns="91440" bIns="45720" rtlCol="0"/>
+          <a:lstStyle>
+            <a:lvl1pPr algn="r">
+              <a:defRPr sz="1200"/>
+            </a:lvl1pPr>
+          </a:lstStyle>
+          <a:p>
+            <a:fld id="{B3945384-1BF7-47BB-A2F3-C7FF53CD07DE}" type="datetimeFigureOut">
+              <a:rPr lang="hu-HU" smtClean="0"/>
+              <a:t>2022. 06. 08.</a:t>
+            </a:fld>
+            <a:endParaRPr lang="hu-HU"/>
+          </a:p>
+        </p:txBody>
+      </p:sp>
+      <p:sp>
+        <p:nvSpPr>
+          <p:cNvPr id="4" name="Diakép helye 3"/>
+          <p:cNvSpPr>
+            <a:spLocks noGrp="1" noRot="1" noChangeAspect="1"/>
+          </p:cNvSpPr>
+          <p:nvPr>
+            <p:ph type="sldImg" idx="2"/>
+          </p:nvPr>
+        </p:nvSpPr>
+        <p:spPr>
+          <a:xfrm>
+            <a:off x="685800" y="1143000"/>
+            <a:ext cx="5486400" cy="3086100"/>
+          </a:xfrm>
+          <a:prstGeom prst="rect">
+            <a:avLst/>
+          </a:prstGeom>
+          <a:noFill/>
+          <a:ln w="12700">
+            <a:solidFill>
+              <a:prstClr val="black"/>
+            </a:solidFill>
+          </a:ln>
+        </p:spPr>
+        <p:txBody>
+          <a:bodyPr vert="horz" lIns="91440" tIns="45720" rIns="91440" bIns="45720" rtlCol="0" anchor="ctr"/>
+          <a:lstStyle/>
+          <a:p>
+            <a:endParaRPr lang="hu-HU"/>
+          </a:p>
+        </p:txBody>
+      </p:sp>
+      <p:sp>
+        <p:nvSpPr>
+          <p:cNvPr id="5" name="Jegyzetek helye 4"/>
+          <p:cNvSpPr>
+            <a:spLocks noGrp="1"/>
+          </p:cNvSpPr>
+          <p:nvPr>
+            <p:ph type="body" sz="quarter" idx="3"/>
+          </p:nvPr>
+        </p:nvSpPr>
+        <p:spPr>
+          <a:xfrm>
+            <a:off x="685800" y="4400550"/>
+            <a:ext cx="5486400" cy="3600450"/>
+          </a:xfrm>
+          <a:prstGeom prst="rect">
+            <a:avLst/>
+          </a:prstGeom>
+        </p:spPr>
+        <p:txBody>
+          <a:bodyPr vert="horz" lIns="91440" tIns="45720" rIns="91440" bIns="45720" rtlCol="0"/>
+          <a:lstStyle/>
+          <a:p>
+            <a:pPr lvl="0"/>
+            <a:r>
+              <a:rPr lang="hu-HU"/>
+              <a:t>Mintaszöveg szerkesztése</a:t>
+            </a:r>
+          </a:p>
+          <a:p>
+            <a:pPr lvl="1"/>
+            <a:r>
+              <a:rPr lang="hu-HU"/>
+              <a:t>Második szint</a:t>
+            </a:r>
+          </a:p>
+          <a:p>
+            <a:pPr lvl="2"/>
+            <a:r>
+              <a:rPr lang="hu-HU"/>
+              <a:t>Harmadik szint</a:t>
+            </a:r>
+          </a:p>
+          <a:p>
+            <a:pPr lvl="3"/>
+            <a:r>
+              <a:rPr lang="hu-HU"/>
+              <a:t>Negyedik szint</a:t>
+            </a:r>
+          </a:p>
+          <a:p>
+            <a:pPr lvl="4"/>
+            <a:r>
+              <a:rPr lang="hu-HU"/>
+              <a:t>Ötödik szint</a:t>
+            </a:r>
+          </a:p>
+        </p:txBody>
+      </p:sp>
+      <p:sp>
+        <p:nvSpPr>
+          <p:cNvPr id="6" name="Élőláb helye 5"/>
+          <p:cNvSpPr>
+            <a:spLocks noGrp="1"/>
+          </p:cNvSpPr>
+          <p:nvPr>
+            <p:ph type="ftr" sz="quarter" idx="4"/>
+          </p:nvPr>
+        </p:nvSpPr>
+        <p:spPr>
+          <a:xfrm>
+            <a:off x="0" y="8685213"/>
+            <a:ext cx="2971800" cy="458787"/>
+          </a:xfrm>
+          <a:prstGeom prst="rect">
+            <a:avLst/>
+          </a:prstGeom>
+        </p:spPr>
+        <p:txBody>
+          <a:bodyPr vert="horz" lIns="91440" tIns="45720" rIns="91440" bIns="45720" rtlCol="0" anchor="b"/>
+          <a:lstStyle>
+            <a:lvl1pPr algn="l">
+              <a:defRPr sz="1200"/>
+            </a:lvl1pPr>
+          </a:lstStyle>
+          <a:p>
+            <a:endParaRPr lang="hu-HU"/>
+          </a:p>
+        </p:txBody>
+      </p:sp>
+      <p:sp>
+        <p:nvSpPr>
+          <p:cNvPr id="7" name="Dia számának helye 6"/>
+          <p:cNvSpPr>
+            <a:spLocks noGrp="1"/>
+          </p:cNvSpPr>
+          <p:nvPr>
+            <p:ph type="sldNum" sz="quarter" idx="5"/>
+          </p:nvPr>
+        </p:nvSpPr>
+        <p:spPr>
+          <a:xfrm>
+            <a:off x="3884613" y="8685213"/>
+            <a:ext cx="2971800" cy="458787"/>
+          </a:xfrm>
+          <a:prstGeom prst="rect">
+            <a:avLst/>
+          </a:prstGeom>
+        </p:spPr>
+        <p:txBody>
+          <a:bodyPr vert="horz" lIns="91440" tIns="45720" rIns="91440" bIns="45720" rtlCol="0" anchor="b"/>
+          <a:lstStyle>
+            <a:lvl1pPr algn="r">
+              <a:defRPr sz="1200"/>
+            </a:lvl1pPr>
+          </a:lstStyle>
+          <a:p>
+            <a:fld id="{B6EF78DA-15D2-4A9B-8151-BB7442DCCC7B}" type="slidenum">
+              <a:rPr lang="hu-HU" smtClean="0"/>
+              <a:t>‹#›</a:t>
+            </a:fld>
+            <a:endParaRPr lang="hu-HU"/>
+          </a:p>
+        </p:txBody>
+      </p:sp>
+    </p:spTree>
+    <p:extLst>
+      <p:ext uri="{BB962C8B-B14F-4D97-AF65-F5344CB8AC3E}">
+        <p14:creationId xmlns:p14="http://schemas.microsoft.com/office/powerpoint/2010/main" val="4054314686"/>
+      </p:ext>
+    </p:extLst>
+  </p:cSld>
+  <p:clrMap bg1="lt1" tx1="dk1" bg2="lt2" tx2="dk2" accent1="accent1" accent2="accent2" accent3="accent3" accent4="accent4" accent5="accent5" accent6="accent6" hlink="hlink" folHlink="folHlink"/>
+  <p:notesStyle>
+    <a:lvl1pPr marL="0" algn="l" defTabSz="914400" rtl="0" eaLnBrk="1" latinLnBrk="0" hangingPunct="1">
+      <a:defRPr sz="1200" kern="1200">
+        <a:solidFill>
+          <a:schemeClr val="tx1"/>
+        </a:solidFill>
+        <a:latin typeface="+mn-lt"/>
+        <a:ea typeface="+mn-ea"/>
+        <a:cs typeface="+mn-cs"/>
+      </a:defRPr>
+    </a:lvl1pPr>
+    <a:lvl2pPr marL="457200" algn="l" defTabSz="914400" rtl="0" eaLnBrk="1" latinLnBrk="0" hangingPunct="1">
+      <a:defRPr sz="1200" kern="1200">
+        <a:solidFill>
+          <a:schemeClr val="tx1"/>
+        </a:solidFill>
+        <a:latin typeface="+mn-lt"/>
+        <a:ea typeface="+mn-ea"/>
+        <a:cs typeface="+mn-cs"/>
+      </a:defRPr>
+    </a:lvl2pPr>
+    <a:lvl3pPr marL="914400" algn="l" defTabSz="914400" rtl="0" eaLnBrk="1" latinLnBrk="0" hangingPunct="1">
+      <a:defRPr sz="1200" kern="1200">
+        <a:solidFill>
+          <a:schemeClr val="tx1"/>
+        </a:solidFill>
+        <a:latin typeface="+mn-lt"/>
+        <a:ea typeface="+mn-ea"/>
+        <a:cs typeface="+mn-cs"/>
+      </a:defRPr>
+    </a:lvl3pPr>
+    <a:lvl4pPr marL="1371600" algn="l" defTabSz="914400" rtl="0" eaLnBrk="1" latinLnBrk="0" hangingPunct="1">
+      <a:defRPr sz="1200" kern="1200">
+        <a:solidFill>
+          <a:schemeClr val="tx1"/>
+        </a:solidFill>
+        <a:latin typeface="+mn-lt"/>
+        <a:ea typeface="+mn-ea"/>
+        <a:cs typeface="+mn-cs"/>
+      </a:defRPr>
+    </a:lvl4pPr>
+    <a:lvl5pPr marL="1828800" algn="l" defTabSz="914400" rtl="0" eaLnBrk="1" latinLnBrk="0" hangingPunct="1">
+      <a:defRPr sz="1200" kern="1200">
+        <a:solidFill>
+          <a:schemeClr val="tx1"/>
+        </a:solidFill>
+        <a:latin typeface="+mn-lt"/>
+        <a:ea typeface="+mn-ea"/>
+        <a:cs typeface="+mn-cs"/>
+      </a:defRPr>
+    </a:lvl5pPr>
+    <a:lvl6pPr marL="2286000" algn="l" defTabSz="914400" rtl="0" eaLnBrk="1" latinLnBrk="0" hangingPunct="1">
+      <a:defRPr sz="1200" kern="1200">
+        <a:solidFill>
+          <a:schemeClr val="tx1"/>
+        </a:solidFill>
+        <a:latin typeface="+mn-lt"/>
+        <a:ea typeface="+mn-ea"/>
+        <a:cs typeface="+mn-cs"/>
+      </a:defRPr>
+    </a:lvl6pPr>
+    <a:lvl7pPr marL="2743200" algn="l" defTabSz="914400" rtl="0" eaLnBrk="1" latinLnBrk="0" hangingPunct="1">
+      <a:defRPr sz="1200" kern="1200">
+        <a:solidFill>
+          <a:schemeClr val="tx1"/>
+        </a:solidFill>
+        <a:latin typeface="+mn-lt"/>
+        <a:ea typeface="+mn-ea"/>
+        <a:cs typeface="+mn-cs"/>
+      </a:defRPr>
+    </a:lvl7pPr>
+    <a:lvl8pPr marL="3200400" algn="l" defTabSz="914400" rtl="0" eaLnBrk="1" latinLnBrk="0" hangingPunct="1">
+      <a:defRPr sz="1200" kern="1200">
+        <a:solidFill>
+          <a:schemeClr val="tx1"/>
+        </a:solidFill>
+        <a:latin typeface="+mn-lt"/>
+        <a:ea typeface="+mn-ea"/>
+        <a:cs typeface="+mn-cs"/>
+      </a:defRPr>
+    </a:lvl8pPr>
+    <a:lvl9pPr marL="3657600" algn="l" defTabSz="914400" rtl="0" eaLnBrk="1" latinLnBrk="0" hangingPunct="1">
+      <a:defRPr sz="1200" kern="1200">
+        <a:solidFill>
+          <a:schemeClr val="tx1"/>
+        </a:solidFill>
+        <a:latin typeface="+mn-lt"/>
+        <a:ea typeface="+mn-ea"/>
+        <a:cs typeface="+mn-cs"/>
+      </a:defRPr>
+    </a:lvl9pPr>
+  </p:notesStyle>
+</p:notesMaster>
+</file>
+
+<file path=ppt/notesSlides/notesSlide1.xml><?xml version="1.0" encoding="utf-8"?>
+<p:notes xmlns:a="http://schemas.openxmlformats.org/drawingml/2006/main" xmlns:r="http://schemas.openxmlformats.org/officeDocument/2006/relationships" xmlns:p="http://schemas.openxmlformats.org/presentationml/2006/main">
+  <p:cSld>
+    <p:spTree>
+      <p:nvGrpSpPr>
+        <p:cNvPr id="1" name=""/>
+        <p:cNvGrpSpPr/>
+        <p:nvPr/>
+      </p:nvGrpSpPr>
+      <p:grpSpPr>
+        <a:xfrm>
+          <a:off x="0" y="0"/>
+          <a:ext cx="0" cy="0"/>
+          <a:chOff x="0" y="0"/>
+          <a:chExt cx="0" cy="0"/>
+        </a:xfrm>
+      </p:grpSpPr>
+      <p:sp>
+        <p:nvSpPr>
+          <p:cNvPr id="2" name="Diakép helye 1"/>
+          <p:cNvSpPr>
+            <a:spLocks noGrp="1" noRot="1" noChangeAspect="1"/>
+          </p:cNvSpPr>
+          <p:nvPr>
+            <p:ph type="sldImg"/>
+          </p:nvPr>
+        </p:nvSpPr>
+        <p:spPr/>
+      </p:sp>
+      <p:sp>
+        <p:nvSpPr>
+          <p:cNvPr id="3" name="Jegyzetek helye 2"/>
+          <p:cNvSpPr>
+            <a:spLocks noGrp="1"/>
+          </p:cNvSpPr>
+          <p:nvPr>
+            <p:ph type="body" idx="1"/>
+          </p:nvPr>
+        </p:nvSpPr>
+        <p:spPr/>
+        <p:txBody>
+          <a:bodyPr/>
+          <a:lstStyle/>
+          <a:p>
+            <a:endParaRPr lang="hu-HU" dirty="0"/>
+          </a:p>
+        </p:txBody>
+      </p:sp>
+      <p:sp>
+        <p:nvSpPr>
+          <p:cNvPr id="4" name="Dia számának helye 3"/>
+          <p:cNvSpPr>
+            <a:spLocks noGrp="1"/>
+          </p:cNvSpPr>
+          <p:nvPr>
+            <p:ph type="sldNum" sz="quarter" idx="5"/>
+          </p:nvPr>
+        </p:nvSpPr>
+        <p:spPr/>
+        <p:txBody>
+          <a:bodyPr/>
+          <a:lstStyle/>
+          <a:p>
+            <a:fld id="{B6EF78DA-15D2-4A9B-8151-BB7442DCCC7B}" type="slidenum">
+              <a:rPr lang="hu-HU" smtClean="0"/>
+              <a:t>7</a:t>
+            </a:fld>
+            <a:endParaRPr lang="hu-HU"/>
+          </a:p>
+        </p:txBody>
+      </p:sp>
+    </p:spTree>
+    <p:extLst>
+      <p:ext uri="{BB962C8B-B14F-4D97-AF65-F5344CB8AC3E}">
+        <p14:creationId xmlns:p14="http://schemas.microsoft.com/office/powerpoint/2010/main" val="2668628289"/>
+      </p:ext>
+    </p:extLst>
+  </p:cSld>
+  <p:clrMapOvr>
+    <a:masterClrMapping/>
+  </p:clrMapOvr>
+</p:notes>
 </file>
 
 <file path=ppt/slideLayouts/slideLayout1.xml><?xml version="1.0" encoding="utf-8"?>
@@ -3400,7 +3846,7 @@
         </p:blipFill>
         <p:spPr>
           <a:xfrm>
-            <a:off x="-115505" y="0"/>
+            <a:off x="-57753" y="0"/>
             <a:ext cx="12307505" cy="6922971"/>
           </a:xfrm>
           <a:prstGeom prst="rect">
@@ -3422,8 +3868,8 @@
         </p:nvSpPr>
         <p:spPr>
           <a:xfrm>
-            <a:off x="1230085" y="2580574"/>
-            <a:ext cx="9731829" cy="584775"/>
+            <a:off x="1110012" y="2432745"/>
+            <a:ext cx="9731829" cy="1077218"/>
           </a:xfrm>
           <a:prstGeom prst="rect">
             <a:avLst/>
@@ -3444,6 +3890,33 @@
                 </a:solidFill>
               </a:rPr>
               <a:t>Készítették: Halmai Bence, </a:t>
+            </a:r>
+            <a:r>
+              <a:rPr lang="hu-HU" sz="3200" b="1" i="1" dirty="0" err="1">
+                <a:solidFill>
+                  <a:schemeClr val="bg1"/>
+                </a:solidFill>
+              </a:rPr>
+              <a:t>Kungel</a:t>
+            </a:r>
+            <a:r>
+              <a:rPr lang="hu-HU" sz="3200" b="1" i="1" dirty="0">
+                <a:solidFill>
+                  <a:schemeClr val="bg1"/>
+                </a:solidFill>
+              </a:rPr>
+              <a:t> Bence</a:t>
+            </a:r>
+          </a:p>
+          <a:p>
+            <a:pPr algn="ctr"/>
+            <a:r>
+              <a:rPr lang="hu-HU" sz="3200" b="1" i="1" dirty="0">
+                <a:solidFill>
+                  <a:schemeClr val="bg1"/>
+                </a:solidFill>
+              </a:rPr>
+              <a:t>PPT-ét Készítette: </a:t>
             </a:r>
             <a:r>
               <a:rPr lang="hu-HU" sz="3200" b="1" i="1" dirty="0" err="1">
@@ -3480,6 +3953,14 @@
 <file path=ppt/slides/slide2.xml><?xml version="1.0" encoding="utf-8"?>
 <p:sld xmlns:a="http://schemas.openxmlformats.org/drawingml/2006/main" xmlns:r="http://schemas.openxmlformats.org/officeDocument/2006/relationships" xmlns:p="http://schemas.openxmlformats.org/presentationml/2006/main">
   <p:cSld>
+    <p:bg>
+      <p:bgPr>
+        <a:solidFill>
+          <a:schemeClr val="bg1"/>
+        </a:solidFill>
+        <a:effectLst/>
+      </p:bgPr>
+    </p:bg>
     <p:spTree>
       <p:nvGrpSpPr>
         <p:cNvPr id="1" name=""/>
@@ -3496,6 +3977,69 @@
       </p:grpSpPr>
       <p:sp>
         <p:nvSpPr>
+          <p:cNvPr id="1031" name="Rectangle 1030">
+            <a:extLst>
+              <a:ext uri="{FF2B5EF4-FFF2-40B4-BE49-F238E27FC236}">
+                <a16:creationId xmlns:a16="http://schemas.microsoft.com/office/drawing/2014/main" id="{2B566528-1B12-4246-9431-5C2D7D081168}"/>
+              </a:ext>
+              <a:ext uri="{C183D7F6-B498-43B3-948B-1728B52AA6E4}">
+                <adec:decorative xmlns:adec="http://schemas.microsoft.com/office/drawing/2017/decorative" val="1"/>
+              </a:ext>
+            </a:extLst>
+          </p:cNvPr>
+          <p:cNvSpPr>
+            <a:spLocks noGrp="1" noRot="1" noChangeAspect="1" noMove="1" noResize="1" noEditPoints="1" noAdjustHandles="1" noChangeArrowheads="1" noChangeShapeType="1" noTextEdit="1"/>
+          </p:cNvSpPr>
+          <p:nvPr>
+            <p:extLst>
+              <p:ext uri="{386F3935-93C4-4BCD-93E2-E3B085C9AB24}">
+                <p16:designElem xmlns:p16="http://schemas.microsoft.com/office/powerpoint/2015/main" val="1"/>
+              </p:ext>
+            </p:extLst>
+          </p:nvPr>
+        </p:nvSpPr>
+        <p:spPr>
+          <a:xfrm>
+            <a:off x="0" y="0"/>
+            <a:ext cx="12192000" cy="6858000"/>
+          </a:xfrm>
+          <a:prstGeom prst="rect">
+            <a:avLst/>
+          </a:prstGeom>
+          <a:solidFill>
+            <a:schemeClr val="bg1"/>
+          </a:solidFill>
+          <a:ln>
+            <a:noFill/>
+          </a:ln>
+        </p:spPr>
+        <p:style>
+          <a:lnRef idx="2">
+            <a:schemeClr val="accent1">
+              <a:shade val="50000"/>
+            </a:schemeClr>
+          </a:lnRef>
+          <a:fillRef idx="1">
+            <a:schemeClr val="accent1"/>
+          </a:fillRef>
+          <a:effectRef idx="0">
+            <a:schemeClr val="accent1"/>
+          </a:effectRef>
+          <a:fontRef idx="minor">
+            <a:schemeClr val="lt1"/>
+          </a:fontRef>
+        </p:style>
+        <p:txBody>
+          <a:bodyPr rtlCol="0" anchor="ctr"/>
+          <a:lstStyle/>
+          <a:p>
+            <a:pPr algn="ctr"/>
+            <a:endParaRPr lang="en-US" dirty="0"/>
+          </a:p>
+        </p:txBody>
+      </p:sp>
+      <p:sp>
+        <p:nvSpPr>
           <p:cNvPr id="2" name="Cím 1">
             <a:extLst>
               <a:ext uri="{FF2B5EF4-FFF2-40B4-BE49-F238E27FC236}">
@@ -3510,18 +4054,185 @@
             <p:ph type="title"/>
           </p:nvPr>
         </p:nvSpPr>
-        <p:spPr/>
-        <p:txBody>
-          <a:bodyPr/>
+        <p:spPr>
+          <a:xfrm>
+            <a:off x="643467" y="321734"/>
+            <a:ext cx="6901193" cy="1135737"/>
+          </a:xfrm>
+        </p:spPr>
+        <p:txBody>
+          <a:bodyPr>
+            <a:normAutofit/>
+          </a:bodyPr>
           <a:lstStyle/>
           <a:p>
             <a:r>
-              <a:rPr lang="hu-HU" dirty="0"/>
+              <a:rPr lang="hu-HU" sz="3600" dirty="0"/>
               <a:t>Platformok Amin dolgoztunk</a:t>
             </a:r>
           </a:p>
         </p:txBody>
       </p:sp>
+      <p:grpSp>
+        <p:nvGrpSpPr>
+          <p:cNvPr id="1033" name="Group 1032">
+            <a:extLst>
+              <a:ext uri="{FF2B5EF4-FFF2-40B4-BE49-F238E27FC236}">
+                <a16:creationId xmlns:a16="http://schemas.microsoft.com/office/drawing/2014/main" id="{912209CB-3E4C-43AE-B507-08269FAE89F5}"/>
+              </a:ext>
+              <a:ext uri="{C183D7F6-B498-43B3-948B-1728B52AA6E4}">
+                <adec:decorative xmlns:adec="http://schemas.microsoft.com/office/drawing/2017/decorative" val="1"/>
+              </a:ext>
+            </a:extLst>
+          </p:cNvPr>
+          <p:cNvGrpSpPr>
+            <a:grpSpLocks noGrp="1" noUngrp="1" noRot="1" noChangeAspect="1" noMove="1" noResize="1"/>
+          </p:cNvGrpSpPr>
+          <p:nvPr>
+            <p:extLst>
+              <p:ext uri="{386F3935-93C4-4BCD-93E2-E3B085C9AB24}">
+                <p16:designElem xmlns:p16="http://schemas.microsoft.com/office/powerpoint/2015/main" val="1"/>
+              </p:ext>
+            </p:extLst>
+          </p:nvPr>
+        </p:nvGrpSpPr>
+        <p:grpSpPr>
+          <a:xfrm>
+            <a:off x="11094720" y="0"/>
+            <a:ext cx="1097280" cy="1097280"/>
+            <a:chOff x="11094720" y="0"/>
+            <a:chExt cx="1097280" cy="1097280"/>
+          </a:xfrm>
+        </p:grpSpPr>
+        <p:sp>
+          <p:nvSpPr>
+            <p:cNvPr id="1034" name="Isosceles Triangle 1033">
+              <a:extLst>
+                <a:ext uri="{FF2B5EF4-FFF2-40B4-BE49-F238E27FC236}">
+                  <a16:creationId xmlns:a16="http://schemas.microsoft.com/office/drawing/2014/main" id="{A580F890-B085-4E95-96AA-55AEBEC5CE6E}"/>
+                </a:ext>
+                <a:ext uri="{C183D7F6-B498-43B3-948B-1728B52AA6E4}">
+                  <adec:decorative xmlns:adec="http://schemas.microsoft.com/office/drawing/2017/decorative" val="1"/>
+                </a:ext>
+              </a:extLst>
+            </p:cNvPr>
+            <p:cNvSpPr/>
+            <p:nvPr>
+              <p:extLst>
+                <p:ext uri="{386F3935-93C4-4BCD-93E2-E3B085C9AB24}">
+                  <p16:designElem xmlns:p16="http://schemas.microsoft.com/office/powerpoint/2015/main" val="1"/>
+                </p:ext>
+              </p:extLst>
+            </p:nvPr>
+          </p:nvSpPr>
+          <p:spPr>
+            <a:xfrm rot="16200000">
+              <a:off x="11094720" y="0"/>
+              <a:ext cx="1097280" cy="1097280"/>
+            </a:xfrm>
+            <a:prstGeom prst="triangle">
+              <a:avLst>
+                <a:gd name="adj" fmla="val 100000"/>
+              </a:avLst>
+            </a:prstGeom>
+            <a:solidFill>
+              <a:schemeClr val="accent4">
+                <a:alpha val="30000"/>
+              </a:schemeClr>
+            </a:solidFill>
+            <a:ln>
+              <a:noFill/>
+            </a:ln>
+          </p:spPr>
+          <p:style>
+            <a:lnRef idx="2">
+              <a:schemeClr val="accent1">
+                <a:shade val="50000"/>
+              </a:schemeClr>
+            </a:lnRef>
+            <a:fillRef idx="1">
+              <a:schemeClr val="accent1"/>
+            </a:fillRef>
+            <a:effectRef idx="0">
+              <a:schemeClr val="accent1"/>
+            </a:effectRef>
+            <a:fontRef idx="minor">
+              <a:schemeClr val="lt1"/>
+            </a:fontRef>
+          </p:style>
+          <p:txBody>
+            <a:bodyPr rtlCol="0" anchor="ctr"/>
+            <a:lstStyle/>
+            <a:p>
+              <a:pPr algn="ctr"/>
+              <a:endParaRPr lang="en-US" dirty="0"/>
+            </a:p>
+          </p:txBody>
+        </p:sp>
+        <p:sp>
+          <p:nvSpPr>
+            <p:cNvPr id="1035" name="Rectangle 1034">
+              <a:extLst>
+                <a:ext uri="{FF2B5EF4-FFF2-40B4-BE49-F238E27FC236}">
+                  <a16:creationId xmlns:a16="http://schemas.microsoft.com/office/drawing/2014/main" id="{7BCB7912-FEA6-4C89-8E9B-D95EF15647EA}"/>
+                </a:ext>
+                <a:ext uri="{C183D7F6-B498-43B3-948B-1728B52AA6E4}">
+                  <adec:decorative xmlns:adec="http://schemas.microsoft.com/office/drawing/2017/decorative" val="1"/>
+                </a:ext>
+              </a:extLst>
+            </p:cNvPr>
+            <p:cNvSpPr/>
+            <p:nvPr>
+              <p:extLst>
+                <p:ext uri="{386F3935-93C4-4BCD-93E2-E3B085C9AB24}">
+                  <p16:designElem xmlns:p16="http://schemas.microsoft.com/office/powerpoint/2015/main" val="1"/>
+                </p:ext>
+              </p:extLst>
+            </p:nvPr>
+          </p:nvSpPr>
+          <p:spPr>
+            <a:xfrm rot="2700000">
+              <a:off x="11189552" y="127618"/>
+              <a:ext cx="457894" cy="457894"/>
+            </a:xfrm>
+            <a:prstGeom prst="rect">
+              <a:avLst/>
+            </a:prstGeom>
+            <a:solidFill>
+              <a:schemeClr val="accent4">
+                <a:alpha val="30000"/>
+              </a:schemeClr>
+            </a:solidFill>
+            <a:ln>
+              <a:noFill/>
+            </a:ln>
+          </p:spPr>
+          <p:style>
+            <a:lnRef idx="2">
+              <a:schemeClr val="accent1">
+                <a:shade val="50000"/>
+              </a:schemeClr>
+            </a:lnRef>
+            <a:fillRef idx="1">
+              <a:schemeClr val="accent1"/>
+            </a:fillRef>
+            <a:effectRef idx="0">
+              <a:schemeClr val="accent1"/>
+            </a:effectRef>
+            <a:fontRef idx="minor">
+              <a:schemeClr val="lt1"/>
+            </a:fontRef>
+          </p:style>
+          <p:txBody>
+            <a:bodyPr rtlCol="0" anchor="ctr"/>
+            <a:lstStyle/>
+            <a:p>
+              <a:pPr algn="ctr"/>
+              <a:endParaRPr lang="en-US"/>
+            </a:p>
+          </p:txBody>
+        </p:sp>
+      </p:grpSp>
       <p:sp>
         <p:nvSpPr>
           <p:cNvPr id="3" name="Tartalom helye 2">
@@ -3538,86 +4249,2188 @@
             <p:ph idx="1"/>
           </p:nvPr>
         </p:nvSpPr>
-        <p:spPr/>
-        <p:txBody>
-          <a:bodyPr/>
+        <p:spPr>
+          <a:xfrm>
+            <a:off x="643468" y="1782981"/>
+            <a:ext cx="6901193" cy="4393982"/>
+          </a:xfrm>
+        </p:spPr>
+        <p:txBody>
+          <a:bodyPr>
+            <a:normAutofit/>
+          </a:bodyPr>
           <a:lstStyle/>
           <a:p>
-            <a:r>
-              <a:rPr lang="hu-HU" dirty="0" err="1"/>
+            <a:pPr>
+              <a:lnSpc>
+                <a:spcPct val="150000"/>
+              </a:lnSpc>
+            </a:pPr>
+            <a:r>
+              <a:rPr lang="hu-HU" sz="2000" dirty="0" err="1"/>
               <a:t>Discord</a:t>
             </a:r>
             <a:r>
-              <a:rPr lang="hu-HU" dirty="0"/>
-              <a:t> (beszélgetés)</a:t>
-            </a:r>
-          </a:p>
-          <a:p>
-            <a:r>
-              <a:rPr lang="hu-HU" dirty="0"/>
+              <a:rPr lang="hu-HU" sz="2000" dirty="0"/>
+              <a:t> (</a:t>
+            </a:r>
+            <a:r>
+              <a:rPr lang="hu-HU" sz="2000" b="1" i="1" dirty="0">
+                <a:effectLst>
+                  <a:outerShdw blurRad="38100" dist="38100" dir="2700000" algn="tl">
+                    <a:srgbClr val="000000">
+                      <a:alpha val="43137"/>
+                    </a:srgbClr>
+                  </a:outerShdw>
+                </a:effectLst>
+              </a:rPr>
+              <a:t>beszélgetés</a:t>
+            </a:r>
+            <a:r>
+              <a:rPr lang="hu-HU" sz="2000" dirty="0"/>
+              <a:t>)</a:t>
+            </a:r>
+          </a:p>
+          <a:p>
+            <a:pPr>
+              <a:lnSpc>
+                <a:spcPct val="150000"/>
+              </a:lnSpc>
+            </a:pPr>
+            <a:r>
+              <a:rPr lang="hu-HU" sz="2000" dirty="0"/>
               <a:t>Visual </a:t>
             </a:r>
             <a:r>
-              <a:rPr lang="hu-HU" dirty="0" err="1"/>
+              <a:rPr lang="hu-HU" sz="2000" dirty="0" err="1"/>
               <a:t>Studio</a:t>
             </a:r>
             <a:r>
-              <a:rPr lang="hu-HU" dirty="0"/>
+              <a:rPr lang="hu-HU" sz="2000" dirty="0"/>
               <a:t> </a:t>
             </a:r>
             <a:r>
-              <a:rPr lang="hu-HU" dirty="0" err="1"/>
+              <a:rPr lang="hu-HU" sz="2000" dirty="0" err="1"/>
               <a:t>Code</a:t>
             </a:r>
             <a:r>
-              <a:rPr lang="hu-HU" dirty="0"/>
-              <a:t> (HTML, CSS, </a:t>
-            </a:r>
-            <a:r>
-              <a:rPr lang="hu-HU" dirty="0" err="1"/>
+              <a:rPr lang="hu-HU" sz="2000" dirty="0"/>
+              <a:t> (</a:t>
+            </a:r>
+            <a:r>
+              <a:rPr lang="hu-HU" sz="2000" b="1" i="1" dirty="0">
+                <a:effectLst>
+                  <a:outerShdw blurRad="38100" dist="38100" dir="2700000" algn="tl">
+                    <a:srgbClr val="000000">
+                      <a:alpha val="43137"/>
+                    </a:srgbClr>
+                  </a:outerShdw>
+                </a:effectLst>
+              </a:rPr>
+              <a:t>HTML, CSS, </a:t>
+            </a:r>
+            <a:r>
+              <a:rPr lang="hu-HU" sz="2000" b="1" i="1" dirty="0" err="1">
+                <a:effectLst>
+                  <a:outerShdw blurRad="38100" dist="38100" dir="2700000" algn="tl">
+                    <a:srgbClr val="000000">
+                      <a:alpha val="43137"/>
+                    </a:srgbClr>
+                  </a:outerShdw>
+                </a:effectLst>
+              </a:rPr>
               <a:t>Javascript</a:t>
             </a:r>
             <a:r>
-              <a:rPr lang="hu-HU" dirty="0"/>
-              <a:t> írása) </a:t>
-            </a:r>
-          </a:p>
-          <a:p>
-            <a:r>
-              <a:rPr lang="hu-HU" dirty="0"/>
-              <a:t>Word (Folyamat ábra rajzolása)</a:t>
-            </a:r>
-          </a:p>
-          <a:p>
-            <a:r>
-              <a:rPr lang="hu-HU" dirty="0" err="1"/>
+              <a:rPr lang="hu-HU" sz="2000" b="1" i="1" dirty="0">
+                <a:effectLst>
+                  <a:outerShdw blurRad="38100" dist="38100" dir="2700000" algn="tl">
+                    <a:srgbClr val="000000">
+                      <a:alpha val="43137"/>
+                    </a:srgbClr>
+                  </a:outerShdw>
+                </a:effectLst>
+              </a:rPr>
+              <a:t> írása</a:t>
+            </a:r>
+            <a:r>
+              <a:rPr lang="hu-HU" sz="2000" dirty="0"/>
+              <a:t>) </a:t>
+            </a:r>
+          </a:p>
+          <a:p>
+            <a:pPr>
+              <a:lnSpc>
+                <a:spcPct val="150000"/>
+              </a:lnSpc>
+            </a:pPr>
+            <a:r>
+              <a:rPr lang="hu-HU" sz="2000" dirty="0"/>
+              <a:t>Word (</a:t>
+            </a:r>
+            <a:r>
+              <a:rPr lang="hu-HU" sz="2000" b="1" i="1" dirty="0">
+                <a:effectLst>
+                  <a:outerShdw blurRad="38100" dist="38100" dir="2700000" algn="tl">
+                    <a:srgbClr val="000000">
+                      <a:alpha val="43137"/>
+                    </a:srgbClr>
+                  </a:outerShdw>
+                </a:effectLst>
+              </a:rPr>
+              <a:t>Folyamat ábra rajzolása</a:t>
+            </a:r>
+            <a:r>
+              <a:rPr lang="hu-HU" sz="2000" dirty="0"/>
+              <a:t>)</a:t>
+            </a:r>
+          </a:p>
+          <a:p>
+            <a:pPr>
+              <a:lnSpc>
+                <a:spcPct val="150000"/>
+              </a:lnSpc>
+            </a:pPr>
+            <a:r>
+              <a:rPr lang="hu-HU" sz="2000" dirty="0" err="1"/>
               <a:t>Powerpoint</a:t>
             </a:r>
             <a:r>
-              <a:rPr lang="hu-HU" dirty="0"/>
-              <a:t> (Munkamenet bemutatása)</a:t>
-            </a:r>
-          </a:p>
-          <a:p>
-            <a:r>
-              <a:rPr lang="hu-HU" dirty="0"/>
-              <a:t>Draw.io (Folyamat ábra </a:t>
-            </a:r>
-            <a:r>
-              <a:rPr lang="hu-HU" dirty="0" err="1"/>
-              <a:t>készitése</a:t>
-            </a:r>
-            <a:r>
-              <a:rPr lang="hu-HU" dirty="0"/>
+              <a:rPr lang="hu-HU" sz="2000" dirty="0"/>
+              <a:t> (</a:t>
+            </a:r>
+            <a:r>
+              <a:rPr lang="hu-HU" sz="2000" b="1" i="1" dirty="0">
+                <a:effectLst>
+                  <a:outerShdw blurRad="38100" dist="38100" dir="2700000" algn="tl">
+                    <a:srgbClr val="000000">
+                      <a:alpha val="43137"/>
+                    </a:srgbClr>
+                  </a:outerShdw>
+                </a:effectLst>
+              </a:rPr>
+              <a:t>Munkamenet bemutatása</a:t>
+            </a:r>
+            <a:r>
+              <a:rPr lang="hu-HU" sz="2000" dirty="0"/>
               <a:t>)</a:t>
             </a:r>
           </a:p>
-        </p:txBody>
-      </p:sp>
+          <a:p>
+            <a:pPr>
+              <a:lnSpc>
+                <a:spcPct val="150000"/>
+              </a:lnSpc>
+            </a:pPr>
+            <a:r>
+              <a:rPr lang="hu-HU" sz="2000" dirty="0"/>
+              <a:t>App.Diagramms.net (</a:t>
+            </a:r>
+            <a:r>
+              <a:rPr lang="hu-HU" sz="2000" b="1" i="1" dirty="0">
+                <a:effectLst>
+                  <a:outerShdw blurRad="38100" dist="38100" dir="2700000" algn="tl">
+                    <a:srgbClr val="000000">
+                      <a:alpha val="43137"/>
+                    </a:srgbClr>
+                  </a:outerShdw>
+                </a:effectLst>
+              </a:rPr>
+              <a:t>Folyamat ábra készítésé</a:t>
+            </a:r>
+            <a:r>
+              <a:rPr lang="hu-HU" sz="2000" dirty="0"/>
+              <a:t>)</a:t>
+            </a:r>
+          </a:p>
+          <a:p>
+            <a:pPr>
+              <a:lnSpc>
+                <a:spcPct val="150000"/>
+              </a:lnSpc>
+            </a:pPr>
+            <a:r>
+              <a:rPr lang="hu-HU" sz="2000" dirty="0" err="1"/>
+              <a:t>Github</a:t>
+            </a:r>
+            <a:r>
+              <a:rPr lang="hu-HU" sz="2000" dirty="0"/>
+              <a:t> (</a:t>
+            </a:r>
+            <a:r>
+              <a:rPr lang="hu-HU" sz="2000" b="1" i="1" dirty="0" err="1">
+                <a:effectLst>
+                  <a:outerShdw blurRad="38100" dist="38100" dir="2700000" algn="tl">
+                    <a:srgbClr val="000000">
+                      <a:alpha val="43137"/>
+                    </a:srgbClr>
+                  </a:outerShdw>
+                </a:effectLst>
+              </a:rPr>
+              <a:t>Repositori</a:t>
+            </a:r>
+            <a:r>
+              <a:rPr lang="hu-HU" sz="2000" b="1" i="1" dirty="0">
+                <a:effectLst>
+                  <a:outerShdw blurRad="38100" dist="38100" dir="2700000" algn="tl">
+                    <a:srgbClr val="000000">
+                      <a:alpha val="43137"/>
+                    </a:srgbClr>
+                  </a:outerShdw>
+                </a:effectLst>
+              </a:rPr>
+              <a:t> helye)</a:t>
+            </a:r>
+          </a:p>
+        </p:txBody>
+      </p:sp>
+      <p:pic>
+        <p:nvPicPr>
+          <p:cNvPr id="1026" name="Picture 2" descr="diagrams.net - Home | Facebook">
+            <a:extLst>
+              <a:ext uri="{FF2B5EF4-FFF2-40B4-BE49-F238E27FC236}">
+                <a16:creationId xmlns:a16="http://schemas.microsoft.com/office/drawing/2014/main" id="{B5666030-9A5A-5F31-DE79-6F9CBF801C32}"/>
+              </a:ext>
+            </a:extLst>
+          </p:cNvPr>
+          <p:cNvPicPr>
+            <a:picLocks noChangeAspect="1" noChangeArrowheads="1"/>
+          </p:cNvPicPr>
+          <p:nvPr/>
+        </p:nvPicPr>
+        <p:blipFill>
+          <a:blip r:embed="rId2">
+            <a:extLst>
+              <a:ext uri="{28A0092B-C50C-407E-A947-70E740481C1C}">
+                <a14:useLocalDpi xmlns:a14="http://schemas.microsoft.com/office/drawing/2010/main" val="0"/>
+              </a:ext>
+            </a:extLst>
+          </a:blip>
+          <a:stretch>
+            <a:fillRect/>
+          </a:stretch>
+        </p:blipFill>
+        <p:spPr bwMode="auto">
+          <a:xfrm>
+            <a:off x="8119870" y="713127"/>
+            <a:ext cx="2635439" cy="2635439"/>
+          </a:xfrm>
+          <a:prstGeom prst="rect">
+            <a:avLst/>
+          </a:prstGeom>
+          <a:noFill/>
+          <a:extLst>
+            <a:ext uri="{909E8E84-426E-40DD-AFC4-6F175D3DCCD1}">
+              <a14:hiddenFill xmlns:a14="http://schemas.microsoft.com/office/drawing/2010/main">
+                <a:solidFill>
+                  <a:srgbClr val="FFFFFF"/>
+                </a:solidFill>
+              </a14:hiddenFill>
+            </a:ext>
+          </a:extLst>
+        </p:spPr>
+      </p:pic>
+      <p:sp>
+        <p:nvSpPr>
+          <p:cNvPr id="1037" name="Isosceles Triangle 1036">
+            <a:extLst>
+              <a:ext uri="{FF2B5EF4-FFF2-40B4-BE49-F238E27FC236}">
+                <a16:creationId xmlns:a16="http://schemas.microsoft.com/office/drawing/2014/main" id="{D3F51FEB-38FB-4F6C-9F7B-2F2AFAB65463}"/>
+              </a:ext>
+              <a:ext uri="{C183D7F6-B498-43B3-948B-1728B52AA6E4}">
+                <adec:decorative xmlns:adec="http://schemas.microsoft.com/office/drawing/2017/decorative" val="1"/>
+              </a:ext>
+            </a:extLst>
+          </p:cNvPr>
+          <p:cNvSpPr>
+            <a:spLocks noGrp="1" noRot="1" noChangeAspect="1" noMove="1" noResize="1" noEditPoints="1" noAdjustHandles="1" noChangeArrowheads="1" noChangeShapeType="1" noTextEdit="1"/>
+          </p:cNvSpPr>
+          <p:nvPr>
+            <p:extLst>
+              <p:ext uri="{386F3935-93C4-4BCD-93E2-E3B085C9AB24}">
+                <p16:designElem xmlns:p16="http://schemas.microsoft.com/office/powerpoint/2015/main" val="1"/>
+              </p:ext>
+            </p:extLst>
+          </p:nvPr>
+        </p:nvSpPr>
+        <p:spPr>
+          <a:xfrm rot="5400000">
+            <a:off x="-501760" y="5103257"/>
+            <a:ext cx="2017580" cy="1014060"/>
+          </a:xfrm>
+          <a:prstGeom prst="triangle">
+            <a:avLst>
+              <a:gd name="adj" fmla="val 50000"/>
+            </a:avLst>
+          </a:prstGeom>
+          <a:solidFill>
+            <a:schemeClr val="accent1">
+              <a:alpha val="30000"/>
+            </a:schemeClr>
+          </a:solidFill>
+          <a:ln>
+            <a:noFill/>
+          </a:ln>
+        </p:spPr>
+        <p:style>
+          <a:lnRef idx="2">
+            <a:schemeClr val="accent1">
+              <a:shade val="50000"/>
+            </a:schemeClr>
+          </a:lnRef>
+          <a:fillRef idx="1">
+            <a:schemeClr val="accent1"/>
+          </a:fillRef>
+          <a:effectRef idx="0">
+            <a:schemeClr val="accent1"/>
+          </a:effectRef>
+          <a:fontRef idx="minor">
+            <a:schemeClr val="lt1"/>
+          </a:fontRef>
+        </p:style>
+        <p:txBody>
+          <a:bodyPr rtlCol="0" anchor="ctr"/>
+          <a:lstStyle/>
+          <a:p>
+            <a:pPr algn="ctr"/>
+            <a:endParaRPr lang="en-US"/>
+          </a:p>
+        </p:txBody>
+      </p:sp>
+      <p:sp>
+        <p:nvSpPr>
+          <p:cNvPr id="1039" name="Rectangle 1038">
+            <a:extLst>
+              <a:ext uri="{FF2B5EF4-FFF2-40B4-BE49-F238E27FC236}">
+                <a16:creationId xmlns:a16="http://schemas.microsoft.com/office/drawing/2014/main" id="{1E547BA6-BAE0-43BB-A7CA-60F69CE252F0}"/>
+              </a:ext>
+              <a:ext uri="{C183D7F6-B498-43B3-948B-1728B52AA6E4}">
+                <adec:decorative xmlns:adec="http://schemas.microsoft.com/office/drawing/2017/decorative" val="1"/>
+              </a:ext>
+            </a:extLst>
+          </p:cNvPr>
+          <p:cNvSpPr>
+            <a:spLocks noGrp="1" noRot="1" noChangeAspect="1" noMove="1" noResize="1" noEditPoints="1" noAdjustHandles="1" noChangeArrowheads="1" noChangeShapeType="1" noTextEdit="1"/>
+          </p:cNvSpPr>
+          <p:nvPr>
+            <p:extLst>
+              <p:ext uri="{386F3935-93C4-4BCD-93E2-E3B085C9AB24}">
+                <p16:designElem xmlns:p16="http://schemas.microsoft.com/office/powerpoint/2015/main" val="1"/>
+              </p:ext>
+            </p:extLst>
+          </p:nvPr>
+        </p:nvSpPr>
+        <p:spPr>
+          <a:xfrm rot="2700000">
+            <a:off x="427916" y="5728708"/>
+            <a:ext cx="485578" cy="485578"/>
+          </a:xfrm>
+          <a:prstGeom prst="rect">
+            <a:avLst/>
+          </a:prstGeom>
+          <a:solidFill>
+            <a:schemeClr val="accent1">
+              <a:alpha val="30000"/>
+            </a:schemeClr>
+          </a:solidFill>
+          <a:ln>
+            <a:noFill/>
+          </a:ln>
+        </p:spPr>
+        <p:style>
+          <a:lnRef idx="2">
+            <a:schemeClr val="accent1">
+              <a:shade val="50000"/>
+            </a:schemeClr>
+          </a:lnRef>
+          <a:fillRef idx="1">
+            <a:schemeClr val="accent1"/>
+          </a:fillRef>
+          <a:effectRef idx="0">
+            <a:schemeClr val="accent1"/>
+          </a:effectRef>
+          <a:fontRef idx="minor">
+            <a:schemeClr val="lt1"/>
+          </a:fontRef>
+        </p:style>
+        <p:txBody>
+          <a:bodyPr rtlCol="0" anchor="ctr"/>
+          <a:lstStyle/>
+          <a:p>
+            <a:pPr algn="ctr"/>
+            <a:endParaRPr lang="en-US"/>
+          </a:p>
+        </p:txBody>
+      </p:sp>
+      <p:pic>
+        <p:nvPicPr>
+          <p:cNvPr id="5" name="Kép 4">
+            <a:extLst>
+              <a:ext uri="{FF2B5EF4-FFF2-40B4-BE49-F238E27FC236}">
+                <a16:creationId xmlns:a16="http://schemas.microsoft.com/office/drawing/2014/main" id="{E215F89A-4585-61DB-BA95-C7BB06149A37}"/>
+              </a:ext>
+            </a:extLst>
+          </p:cNvPr>
+          <p:cNvPicPr>
+            <a:picLocks noChangeAspect="1"/>
+          </p:cNvPicPr>
+          <p:nvPr/>
+        </p:nvPicPr>
+        <p:blipFill>
+          <a:blip r:embed="rId3">
+            <a:extLst>
+              <a:ext uri="{28A0092B-C50C-407E-A947-70E740481C1C}">
+                <a14:useLocalDpi xmlns:a14="http://schemas.microsoft.com/office/drawing/2010/main" val="0"/>
+              </a:ext>
+            </a:extLst>
+          </a:blip>
+          <a:stretch>
+            <a:fillRect/>
+          </a:stretch>
+        </p:blipFill>
+        <p:spPr>
+          <a:xfrm>
+            <a:off x="8119870" y="3509433"/>
+            <a:ext cx="3428663" cy="2622927"/>
+          </a:xfrm>
+          <a:prstGeom prst="rect">
+            <a:avLst/>
+          </a:prstGeom>
+        </p:spPr>
+      </p:pic>
     </p:spTree>
     <p:extLst>
       <p:ext uri="{BB962C8B-B14F-4D97-AF65-F5344CB8AC3E}">
         <p14:creationId xmlns:p14="http://schemas.microsoft.com/office/powerpoint/2010/main" val="1673015713"/>
+      </p:ext>
+    </p:extLst>
+  </p:cSld>
+  <p:clrMapOvr>
+    <a:masterClrMapping/>
+  </p:clrMapOvr>
+  <p:timing>
+    <p:tnLst>
+      <p:par>
+        <p:cTn id="1" dur="indefinite" restart="never" nodeType="tmRoot">
+          <p:childTnLst>
+            <p:seq concurrent="1" nextAc="seek">
+              <p:cTn id="2" dur="indefinite" nodeType="mainSeq">
+                <p:childTnLst>
+                  <p:par>
+                    <p:cTn id="3" fill="hold">
+                      <p:stCondLst>
+                        <p:cond delay="indefinite"/>
+                      </p:stCondLst>
+                      <p:childTnLst>
+                        <p:par>
+                          <p:cTn id="4" fill="hold">
+                            <p:stCondLst>
+                              <p:cond delay="0"/>
+                            </p:stCondLst>
+                            <p:childTnLst>
+                              <p:par>
+                                <p:cTn id="5" presetID="42" presetClass="entr" presetSubtype="0" fill="hold" nodeType="clickEffect">
+                                  <p:stCondLst>
+                                    <p:cond delay="0"/>
+                                  </p:stCondLst>
+                                  <p:childTnLst>
+                                    <p:set>
+                                      <p:cBhvr>
+                                        <p:cTn id="6" dur="1" fill="hold">
+                                          <p:stCondLst>
+                                            <p:cond delay="0"/>
+                                          </p:stCondLst>
+                                        </p:cTn>
+                                        <p:tgtEl>
+                                          <p:spTgt spid="3">
+                                            <p:txEl>
+                                              <p:pRg st="0" end="0"/>
+                                            </p:txEl>
+                                          </p:spTgt>
+                                        </p:tgtEl>
+                                        <p:attrNameLst>
+                                          <p:attrName>style.visibility</p:attrName>
+                                        </p:attrNameLst>
+                                      </p:cBhvr>
+                                      <p:to>
+                                        <p:strVal val="visible"/>
+                                      </p:to>
+                                    </p:set>
+                                    <p:animEffect transition="in" filter="fade">
+                                      <p:cBhvr>
+                                        <p:cTn id="7" dur="1000"/>
+                                        <p:tgtEl>
+                                          <p:spTgt spid="3">
+                                            <p:txEl>
+                                              <p:pRg st="0" end="0"/>
+                                            </p:txEl>
+                                          </p:spTgt>
+                                        </p:tgtEl>
+                                      </p:cBhvr>
+                                    </p:animEffect>
+                                    <p:anim calcmode="lin" valueType="num">
+                                      <p:cBhvr>
+                                        <p:cTn id="8" dur="1000" fill="hold"/>
+                                        <p:tgtEl>
+                                          <p:spTgt spid="3">
+                                            <p:txEl>
+                                              <p:pRg st="0" end="0"/>
+                                            </p:txEl>
+                                          </p:spTgt>
+                                        </p:tgtEl>
+                                        <p:attrNameLst>
+                                          <p:attrName>ppt_x</p:attrName>
+                                        </p:attrNameLst>
+                                      </p:cBhvr>
+                                      <p:tavLst>
+                                        <p:tav tm="0">
+                                          <p:val>
+                                            <p:strVal val="#ppt_x"/>
+                                          </p:val>
+                                        </p:tav>
+                                        <p:tav tm="100000">
+                                          <p:val>
+                                            <p:strVal val="#ppt_x"/>
+                                          </p:val>
+                                        </p:tav>
+                                      </p:tavLst>
+                                    </p:anim>
+                                    <p:anim calcmode="lin" valueType="num">
+                                      <p:cBhvr>
+                                        <p:cTn id="9" dur="1000" fill="hold"/>
+                                        <p:tgtEl>
+                                          <p:spTgt spid="3">
+                                            <p:txEl>
+                                              <p:pRg st="0" end="0"/>
+                                            </p:txEl>
+                                          </p:spTgt>
+                                        </p:tgtEl>
+                                        <p:attrNameLst>
+                                          <p:attrName>ppt_y</p:attrName>
+                                        </p:attrNameLst>
+                                      </p:cBhvr>
+                                      <p:tavLst>
+                                        <p:tav tm="0">
+                                          <p:val>
+                                            <p:strVal val="#ppt_y+.1"/>
+                                          </p:val>
+                                        </p:tav>
+                                        <p:tav tm="100000">
+                                          <p:val>
+                                            <p:strVal val="#ppt_y"/>
+                                          </p:val>
+                                        </p:tav>
+                                      </p:tavLst>
+                                    </p:anim>
+                                  </p:childTnLst>
+                                </p:cTn>
+                              </p:par>
+                            </p:childTnLst>
+                          </p:cTn>
+                        </p:par>
+                      </p:childTnLst>
+                    </p:cTn>
+                  </p:par>
+                  <p:par>
+                    <p:cTn id="10" fill="hold">
+                      <p:stCondLst>
+                        <p:cond delay="indefinite"/>
+                      </p:stCondLst>
+                      <p:childTnLst>
+                        <p:par>
+                          <p:cTn id="11" fill="hold">
+                            <p:stCondLst>
+                              <p:cond delay="0"/>
+                            </p:stCondLst>
+                            <p:childTnLst>
+                              <p:par>
+                                <p:cTn id="12" presetID="10" presetClass="entr" presetSubtype="0" fill="hold" nodeType="clickEffect">
+                                  <p:stCondLst>
+                                    <p:cond delay="0"/>
+                                  </p:stCondLst>
+                                  <p:childTnLst>
+                                    <p:set>
+                                      <p:cBhvr>
+                                        <p:cTn id="13" dur="1" fill="hold">
+                                          <p:stCondLst>
+                                            <p:cond delay="0"/>
+                                          </p:stCondLst>
+                                        </p:cTn>
+                                        <p:tgtEl>
+                                          <p:spTgt spid="5"/>
+                                        </p:tgtEl>
+                                        <p:attrNameLst>
+                                          <p:attrName>style.visibility</p:attrName>
+                                        </p:attrNameLst>
+                                      </p:cBhvr>
+                                      <p:to>
+                                        <p:strVal val="visible"/>
+                                      </p:to>
+                                    </p:set>
+                                    <p:animEffect transition="in" filter="fade">
+                                      <p:cBhvr>
+                                        <p:cTn id="14" dur="500"/>
+                                        <p:tgtEl>
+                                          <p:spTgt spid="5"/>
+                                        </p:tgtEl>
+                                      </p:cBhvr>
+                                    </p:animEffect>
+                                  </p:childTnLst>
+                                </p:cTn>
+                              </p:par>
+                            </p:childTnLst>
+                          </p:cTn>
+                        </p:par>
+                      </p:childTnLst>
+                    </p:cTn>
+                  </p:par>
+                  <p:par>
+                    <p:cTn id="15" fill="hold">
+                      <p:stCondLst>
+                        <p:cond delay="indefinite"/>
+                      </p:stCondLst>
+                      <p:childTnLst>
+                        <p:par>
+                          <p:cTn id="16" fill="hold">
+                            <p:stCondLst>
+                              <p:cond delay="0"/>
+                            </p:stCondLst>
+                            <p:childTnLst>
+                              <p:par>
+                                <p:cTn id="17" presetID="42" presetClass="entr" presetSubtype="0" fill="hold" nodeType="clickEffect">
+                                  <p:stCondLst>
+                                    <p:cond delay="0"/>
+                                  </p:stCondLst>
+                                  <p:childTnLst>
+                                    <p:set>
+                                      <p:cBhvr>
+                                        <p:cTn id="18" dur="1" fill="hold">
+                                          <p:stCondLst>
+                                            <p:cond delay="0"/>
+                                          </p:stCondLst>
+                                        </p:cTn>
+                                        <p:tgtEl>
+                                          <p:spTgt spid="3">
+                                            <p:txEl>
+                                              <p:pRg st="1" end="1"/>
+                                            </p:txEl>
+                                          </p:spTgt>
+                                        </p:tgtEl>
+                                        <p:attrNameLst>
+                                          <p:attrName>style.visibility</p:attrName>
+                                        </p:attrNameLst>
+                                      </p:cBhvr>
+                                      <p:to>
+                                        <p:strVal val="visible"/>
+                                      </p:to>
+                                    </p:set>
+                                    <p:animEffect transition="in" filter="fade">
+                                      <p:cBhvr>
+                                        <p:cTn id="19" dur="1000"/>
+                                        <p:tgtEl>
+                                          <p:spTgt spid="3">
+                                            <p:txEl>
+                                              <p:pRg st="1" end="1"/>
+                                            </p:txEl>
+                                          </p:spTgt>
+                                        </p:tgtEl>
+                                      </p:cBhvr>
+                                    </p:animEffect>
+                                    <p:anim calcmode="lin" valueType="num">
+                                      <p:cBhvr>
+                                        <p:cTn id="20" dur="1000" fill="hold"/>
+                                        <p:tgtEl>
+                                          <p:spTgt spid="3">
+                                            <p:txEl>
+                                              <p:pRg st="1" end="1"/>
+                                            </p:txEl>
+                                          </p:spTgt>
+                                        </p:tgtEl>
+                                        <p:attrNameLst>
+                                          <p:attrName>ppt_x</p:attrName>
+                                        </p:attrNameLst>
+                                      </p:cBhvr>
+                                      <p:tavLst>
+                                        <p:tav tm="0">
+                                          <p:val>
+                                            <p:strVal val="#ppt_x"/>
+                                          </p:val>
+                                        </p:tav>
+                                        <p:tav tm="100000">
+                                          <p:val>
+                                            <p:strVal val="#ppt_x"/>
+                                          </p:val>
+                                        </p:tav>
+                                      </p:tavLst>
+                                    </p:anim>
+                                    <p:anim calcmode="lin" valueType="num">
+                                      <p:cBhvr>
+                                        <p:cTn id="21" dur="1000" fill="hold"/>
+                                        <p:tgtEl>
+                                          <p:spTgt spid="3">
+                                            <p:txEl>
+                                              <p:pRg st="1" end="1"/>
+                                            </p:txEl>
+                                          </p:spTgt>
+                                        </p:tgtEl>
+                                        <p:attrNameLst>
+                                          <p:attrName>ppt_y</p:attrName>
+                                        </p:attrNameLst>
+                                      </p:cBhvr>
+                                      <p:tavLst>
+                                        <p:tav tm="0">
+                                          <p:val>
+                                            <p:strVal val="#ppt_y+.1"/>
+                                          </p:val>
+                                        </p:tav>
+                                        <p:tav tm="100000">
+                                          <p:val>
+                                            <p:strVal val="#ppt_y"/>
+                                          </p:val>
+                                        </p:tav>
+                                      </p:tavLst>
+                                    </p:anim>
+                                  </p:childTnLst>
+                                </p:cTn>
+                              </p:par>
+                            </p:childTnLst>
+                          </p:cTn>
+                        </p:par>
+                      </p:childTnLst>
+                    </p:cTn>
+                  </p:par>
+                  <p:par>
+                    <p:cTn id="22" fill="hold">
+                      <p:stCondLst>
+                        <p:cond delay="indefinite"/>
+                      </p:stCondLst>
+                      <p:childTnLst>
+                        <p:par>
+                          <p:cTn id="23" fill="hold">
+                            <p:stCondLst>
+                              <p:cond delay="0"/>
+                            </p:stCondLst>
+                            <p:childTnLst>
+                              <p:par>
+                                <p:cTn id="24" presetID="42" presetClass="entr" presetSubtype="0" fill="hold" nodeType="clickEffect">
+                                  <p:stCondLst>
+                                    <p:cond delay="0"/>
+                                  </p:stCondLst>
+                                  <p:childTnLst>
+                                    <p:set>
+                                      <p:cBhvr>
+                                        <p:cTn id="25" dur="1" fill="hold">
+                                          <p:stCondLst>
+                                            <p:cond delay="0"/>
+                                          </p:stCondLst>
+                                        </p:cTn>
+                                        <p:tgtEl>
+                                          <p:spTgt spid="3">
+                                            <p:txEl>
+                                              <p:pRg st="2" end="2"/>
+                                            </p:txEl>
+                                          </p:spTgt>
+                                        </p:tgtEl>
+                                        <p:attrNameLst>
+                                          <p:attrName>style.visibility</p:attrName>
+                                        </p:attrNameLst>
+                                      </p:cBhvr>
+                                      <p:to>
+                                        <p:strVal val="visible"/>
+                                      </p:to>
+                                    </p:set>
+                                    <p:animEffect transition="in" filter="fade">
+                                      <p:cBhvr>
+                                        <p:cTn id="26" dur="1000"/>
+                                        <p:tgtEl>
+                                          <p:spTgt spid="3">
+                                            <p:txEl>
+                                              <p:pRg st="2" end="2"/>
+                                            </p:txEl>
+                                          </p:spTgt>
+                                        </p:tgtEl>
+                                      </p:cBhvr>
+                                    </p:animEffect>
+                                    <p:anim calcmode="lin" valueType="num">
+                                      <p:cBhvr>
+                                        <p:cTn id="27" dur="1000" fill="hold"/>
+                                        <p:tgtEl>
+                                          <p:spTgt spid="3">
+                                            <p:txEl>
+                                              <p:pRg st="2" end="2"/>
+                                            </p:txEl>
+                                          </p:spTgt>
+                                        </p:tgtEl>
+                                        <p:attrNameLst>
+                                          <p:attrName>ppt_x</p:attrName>
+                                        </p:attrNameLst>
+                                      </p:cBhvr>
+                                      <p:tavLst>
+                                        <p:tav tm="0">
+                                          <p:val>
+                                            <p:strVal val="#ppt_x"/>
+                                          </p:val>
+                                        </p:tav>
+                                        <p:tav tm="100000">
+                                          <p:val>
+                                            <p:strVal val="#ppt_x"/>
+                                          </p:val>
+                                        </p:tav>
+                                      </p:tavLst>
+                                    </p:anim>
+                                    <p:anim calcmode="lin" valueType="num">
+                                      <p:cBhvr>
+                                        <p:cTn id="28" dur="1000" fill="hold"/>
+                                        <p:tgtEl>
+                                          <p:spTgt spid="3">
+                                            <p:txEl>
+                                              <p:pRg st="2" end="2"/>
+                                            </p:txEl>
+                                          </p:spTgt>
+                                        </p:tgtEl>
+                                        <p:attrNameLst>
+                                          <p:attrName>ppt_y</p:attrName>
+                                        </p:attrNameLst>
+                                      </p:cBhvr>
+                                      <p:tavLst>
+                                        <p:tav tm="0">
+                                          <p:val>
+                                            <p:strVal val="#ppt_y+.1"/>
+                                          </p:val>
+                                        </p:tav>
+                                        <p:tav tm="100000">
+                                          <p:val>
+                                            <p:strVal val="#ppt_y"/>
+                                          </p:val>
+                                        </p:tav>
+                                      </p:tavLst>
+                                    </p:anim>
+                                  </p:childTnLst>
+                                </p:cTn>
+                              </p:par>
+                            </p:childTnLst>
+                          </p:cTn>
+                        </p:par>
+                      </p:childTnLst>
+                    </p:cTn>
+                  </p:par>
+                  <p:par>
+                    <p:cTn id="29" fill="hold">
+                      <p:stCondLst>
+                        <p:cond delay="indefinite"/>
+                      </p:stCondLst>
+                      <p:childTnLst>
+                        <p:par>
+                          <p:cTn id="30" fill="hold">
+                            <p:stCondLst>
+                              <p:cond delay="0"/>
+                            </p:stCondLst>
+                            <p:childTnLst>
+                              <p:par>
+                                <p:cTn id="31" presetID="42" presetClass="entr" presetSubtype="0" fill="hold" nodeType="clickEffect">
+                                  <p:stCondLst>
+                                    <p:cond delay="0"/>
+                                  </p:stCondLst>
+                                  <p:childTnLst>
+                                    <p:set>
+                                      <p:cBhvr>
+                                        <p:cTn id="32" dur="1" fill="hold">
+                                          <p:stCondLst>
+                                            <p:cond delay="0"/>
+                                          </p:stCondLst>
+                                        </p:cTn>
+                                        <p:tgtEl>
+                                          <p:spTgt spid="3">
+                                            <p:txEl>
+                                              <p:pRg st="3" end="3"/>
+                                            </p:txEl>
+                                          </p:spTgt>
+                                        </p:tgtEl>
+                                        <p:attrNameLst>
+                                          <p:attrName>style.visibility</p:attrName>
+                                        </p:attrNameLst>
+                                      </p:cBhvr>
+                                      <p:to>
+                                        <p:strVal val="visible"/>
+                                      </p:to>
+                                    </p:set>
+                                    <p:animEffect transition="in" filter="fade">
+                                      <p:cBhvr>
+                                        <p:cTn id="33" dur="1000"/>
+                                        <p:tgtEl>
+                                          <p:spTgt spid="3">
+                                            <p:txEl>
+                                              <p:pRg st="3" end="3"/>
+                                            </p:txEl>
+                                          </p:spTgt>
+                                        </p:tgtEl>
+                                      </p:cBhvr>
+                                    </p:animEffect>
+                                    <p:anim calcmode="lin" valueType="num">
+                                      <p:cBhvr>
+                                        <p:cTn id="34" dur="1000" fill="hold"/>
+                                        <p:tgtEl>
+                                          <p:spTgt spid="3">
+                                            <p:txEl>
+                                              <p:pRg st="3" end="3"/>
+                                            </p:txEl>
+                                          </p:spTgt>
+                                        </p:tgtEl>
+                                        <p:attrNameLst>
+                                          <p:attrName>ppt_x</p:attrName>
+                                        </p:attrNameLst>
+                                      </p:cBhvr>
+                                      <p:tavLst>
+                                        <p:tav tm="0">
+                                          <p:val>
+                                            <p:strVal val="#ppt_x"/>
+                                          </p:val>
+                                        </p:tav>
+                                        <p:tav tm="100000">
+                                          <p:val>
+                                            <p:strVal val="#ppt_x"/>
+                                          </p:val>
+                                        </p:tav>
+                                      </p:tavLst>
+                                    </p:anim>
+                                    <p:anim calcmode="lin" valueType="num">
+                                      <p:cBhvr>
+                                        <p:cTn id="35" dur="1000" fill="hold"/>
+                                        <p:tgtEl>
+                                          <p:spTgt spid="3">
+                                            <p:txEl>
+                                              <p:pRg st="3" end="3"/>
+                                            </p:txEl>
+                                          </p:spTgt>
+                                        </p:tgtEl>
+                                        <p:attrNameLst>
+                                          <p:attrName>ppt_y</p:attrName>
+                                        </p:attrNameLst>
+                                      </p:cBhvr>
+                                      <p:tavLst>
+                                        <p:tav tm="0">
+                                          <p:val>
+                                            <p:strVal val="#ppt_y+.1"/>
+                                          </p:val>
+                                        </p:tav>
+                                        <p:tav tm="100000">
+                                          <p:val>
+                                            <p:strVal val="#ppt_y"/>
+                                          </p:val>
+                                        </p:tav>
+                                      </p:tavLst>
+                                    </p:anim>
+                                  </p:childTnLst>
+                                </p:cTn>
+                              </p:par>
+                            </p:childTnLst>
+                          </p:cTn>
+                        </p:par>
+                      </p:childTnLst>
+                    </p:cTn>
+                  </p:par>
+                  <p:par>
+                    <p:cTn id="36" fill="hold">
+                      <p:stCondLst>
+                        <p:cond delay="indefinite"/>
+                      </p:stCondLst>
+                      <p:childTnLst>
+                        <p:par>
+                          <p:cTn id="37" fill="hold">
+                            <p:stCondLst>
+                              <p:cond delay="0"/>
+                            </p:stCondLst>
+                            <p:childTnLst>
+                              <p:par>
+                                <p:cTn id="38" presetID="42" presetClass="entr" presetSubtype="0" fill="hold" nodeType="clickEffect">
+                                  <p:stCondLst>
+                                    <p:cond delay="0"/>
+                                  </p:stCondLst>
+                                  <p:childTnLst>
+                                    <p:set>
+                                      <p:cBhvr>
+                                        <p:cTn id="39" dur="1" fill="hold">
+                                          <p:stCondLst>
+                                            <p:cond delay="0"/>
+                                          </p:stCondLst>
+                                        </p:cTn>
+                                        <p:tgtEl>
+                                          <p:spTgt spid="3">
+                                            <p:txEl>
+                                              <p:pRg st="4" end="4"/>
+                                            </p:txEl>
+                                          </p:spTgt>
+                                        </p:tgtEl>
+                                        <p:attrNameLst>
+                                          <p:attrName>style.visibility</p:attrName>
+                                        </p:attrNameLst>
+                                      </p:cBhvr>
+                                      <p:to>
+                                        <p:strVal val="visible"/>
+                                      </p:to>
+                                    </p:set>
+                                    <p:animEffect transition="in" filter="fade">
+                                      <p:cBhvr>
+                                        <p:cTn id="40" dur="1000"/>
+                                        <p:tgtEl>
+                                          <p:spTgt spid="3">
+                                            <p:txEl>
+                                              <p:pRg st="4" end="4"/>
+                                            </p:txEl>
+                                          </p:spTgt>
+                                        </p:tgtEl>
+                                      </p:cBhvr>
+                                    </p:animEffect>
+                                    <p:anim calcmode="lin" valueType="num">
+                                      <p:cBhvr>
+                                        <p:cTn id="41" dur="1000" fill="hold"/>
+                                        <p:tgtEl>
+                                          <p:spTgt spid="3">
+                                            <p:txEl>
+                                              <p:pRg st="4" end="4"/>
+                                            </p:txEl>
+                                          </p:spTgt>
+                                        </p:tgtEl>
+                                        <p:attrNameLst>
+                                          <p:attrName>ppt_x</p:attrName>
+                                        </p:attrNameLst>
+                                      </p:cBhvr>
+                                      <p:tavLst>
+                                        <p:tav tm="0">
+                                          <p:val>
+                                            <p:strVal val="#ppt_x"/>
+                                          </p:val>
+                                        </p:tav>
+                                        <p:tav tm="100000">
+                                          <p:val>
+                                            <p:strVal val="#ppt_x"/>
+                                          </p:val>
+                                        </p:tav>
+                                      </p:tavLst>
+                                    </p:anim>
+                                    <p:anim calcmode="lin" valueType="num">
+                                      <p:cBhvr>
+                                        <p:cTn id="42" dur="1000" fill="hold"/>
+                                        <p:tgtEl>
+                                          <p:spTgt spid="3">
+                                            <p:txEl>
+                                              <p:pRg st="4" end="4"/>
+                                            </p:txEl>
+                                          </p:spTgt>
+                                        </p:tgtEl>
+                                        <p:attrNameLst>
+                                          <p:attrName>ppt_y</p:attrName>
+                                        </p:attrNameLst>
+                                      </p:cBhvr>
+                                      <p:tavLst>
+                                        <p:tav tm="0">
+                                          <p:val>
+                                            <p:strVal val="#ppt_y+.1"/>
+                                          </p:val>
+                                        </p:tav>
+                                        <p:tav tm="100000">
+                                          <p:val>
+                                            <p:strVal val="#ppt_y"/>
+                                          </p:val>
+                                        </p:tav>
+                                      </p:tavLst>
+                                    </p:anim>
+                                  </p:childTnLst>
+                                </p:cTn>
+                              </p:par>
+                            </p:childTnLst>
+                          </p:cTn>
+                        </p:par>
+                      </p:childTnLst>
+                    </p:cTn>
+                  </p:par>
+                  <p:par>
+                    <p:cTn id="43" fill="hold">
+                      <p:stCondLst>
+                        <p:cond delay="indefinite"/>
+                      </p:stCondLst>
+                      <p:childTnLst>
+                        <p:par>
+                          <p:cTn id="44" fill="hold">
+                            <p:stCondLst>
+                              <p:cond delay="0"/>
+                            </p:stCondLst>
+                            <p:childTnLst>
+                              <p:par>
+                                <p:cTn id="45" presetID="42" presetClass="entr" presetSubtype="0" fill="hold" nodeType="clickEffect">
+                                  <p:stCondLst>
+                                    <p:cond delay="0"/>
+                                  </p:stCondLst>
+                                  <p:childTnLst>
+                                    <p:set>
+                                      <p:cBhvr>
+                                        <p:cTn id="46" dur="1" fill="hold">
+                                          <p:stCondLst>
+                                            <p:cond delay="0"/>
+                                          </p:stCondLst>
+                                        </p:cTn>
+                                        <p:tgtEl>
+                                          <p:spTgt spid="3">
+                                            <p:txEl>
+                                              <p:pRg st="5" end="5"/>
+                                            </p:txEl>
+                                          </p:spTgt>
+                                        </p:tgtEl>
+                                        <p:attrNameLst>
+                                          <p:attrName>style.visibility</p:attrName>
+                                        </p:attrNameLst>
+                                      </p:cBhvr>
+                                      <p:to>
+                                        <p:strVal val="visible"/>
+                                      </p:to>
+                                    </p:set>
+                                    <p:animEffect transition="in" filter="fade">
+                                      <p:cBhvr>
+                                        <p:cTn id="47" dur="1000"/>
+                                        <p:tgtEl>
+                                          <p:spTgt spid="3">
+                                            <p:txEl>
+                                              <p:pRg st="5" end="5"/>
+                                            </p:txEl>
+                                          </p:spTgt>
+                                        </p:tgtEl>
+                                      </p:cBhvr>
+                                    </p:animEffect>
+                                    <p:anim calcmode="lin" valueType="num">
+                                      <p:cBhvr>
+                                        <p:cTn id="48" dur="1000" fill="hold"/>
+                                        <p:tgtEl>
+                                          <p:spTgt spid="3">
+                                            <p:txEl>
+                                              <p:pRg st="5" end="5"/>
+                                            </p:txEl>
+                                          </p:spTgt>
+                                        </p:tgtEl>
+                                        <p:attrNameLst>
+                                          <p:attrName>ppt_x</p:attrName>
+                                        </p:attrNameLst>
+                                      </p:cBhvr>
+                                      <p:tavLst>
+                                        <p:tav tm="0">
+                                          <p:val>
+                                            <p:strVal val="#ppt_x"/>
+                                          </p:val>
+                                        </p:tav>
+                                        <p:tav tm="100000">
+                                          <p:val>
+                                            <p:strVal val="#ppt_x"/>
+                                          </p:val>
+                                        </p:tav>
+                                      </p:tavLst>
+                                    </p:anim>
+                                    <p:anim calcmode="lin" valueType="num">
+                                      <p:cBhvr>
+                                        <p:cTn id="49" dur="1000" fill="hold"/>
+                                        <p:tgtEl>
+                                          <p:spTgt spid="3">
+                                            <p:txEl>
+                                              <p:pRg st="5" end="5"/>
+                                            </p:txEl>
+                                          </p:spTgt>
+                                        </p:tgtEl>
+                                        <p:attrNameLst>
+                                          <p:attrName>ppt_y</p:attrName>
+                                        </p:attrNameLst>
+                                      </p:cBhvr>
+                                      <p:tavLst>
+                                        <p:tav tm="0">
+                                          <p:val>
+                                            <p:strVal val="#ppt_y+.1"/>
+                                          </p:val>
+                                        </p:tav>
+                                        <p:tav tm="100000">
+                                          <p:val>
+                                            <p:strVal val="#ppt_y"/>
+                                          </p:val>
+                                        </p:tav>
+                                      </p:tavLst>
+                                    </p:anim>
+                                  </p:childTnLst>
+                                </p:cTn>
+                              </p:par>
+                            </p:childTnLst>
+                          </p:cTn>
+                        </p:par>
+                      </p:childTnLst>
+                    </p:cTn>
+                  </p:par>
+                  <p:par>
+                    <p:cTn id="50" fill="hold">
+                      <p:stCondLst>
+                        <p:cond delay="indefinite"/>
+                      </p:stCondLst>
+                      <p:childTnLst>
+                        <p:par>
+                          <p:cTn id="51" fill="hold">
+                            <p:stCondLst>
+                              <p:cond delay="0"/>
+                            </p:stCondLst>
+                            <p:childTnLst>
+                              <p:par>
+                                <p:cTn id="52" presetID="42" presetClass="entr" presetSubtype="0" fill="hold" nodeType="clickEffect">
+                                  <p:stCondLst>
+                                    <p:cond delay="0"/>
+                                  </p:stCondLst>
+                                  <p:childTnLst>
+                                    <p:set>
+                                      <p:cBhvr>
+                                        <p:cTn id="53" dur="1" fill="hold">
+                                          <p:stCondLst>
+                                            <p:cond delay="0"/>
+                                          </p:stCondLst>
+                                        </p:cTn>
+                                        <p:tgtEl>
+                                          <p:spTgt spid="1026"/>
+                                        </p:tgtEl>
+                                        <p:attrNameLst>
+                                          <p:attrName>style.visibility</p:attrName>
+                                        </p:attrNameLst>
+                                      </p:cBhvr>
+                                      <p:to>
+                                        <p:strVal val="visible"/>
+                                      </p:to>
+                                    </p:set>
+                                    <p:animEffect transition="in" filter="fade">
+                                      <p:cBhvr>
+                                        <p:cTn id="54" dur="1000"/>
+                                        <p:tgtEl>
+                                          <p:spTgt spid="1026"/>
+                                        </p:tgtEl>
+                                      </p:cBhvr>
+                                    </p:animEffect>
+                                    <p:anim calcmode="lin" valueType="num">
+                                      <p:cBhvr>
+                                        <p:cTn id="55" dur="1000" fill="hold"/>
+                                        <p:tgtEl>
+                                          <p:spTgt spid="1026"/>
+                                        </p:tgtEl>
+                                        <p:attrNameLst>
+                                          <p:attrName>ppt_x</p:attrName>
+                                        </p:attrNameLst>
+                                      </p:cBhvr>
+                                      <p:tavLst>
+                                        <p:tav tm="0">
+                                          <p:val>
+                                            <p:strVal val="#ppt_x"/>
+                                          </p:val>
+                                        </p:tav>
+                                        <p:tav tm="100000">
+                                          <p:val>
+                                            <p:strVal val="#ppt_x"/>
+                                          </p:val>
+                                        </p:tav>
+                                      </p:tavLst>
+                                    </p:anim>
+                                    <p:anim calcmode="lin" valueType="num">
+                                      <p:cBhvr>
+                                        <p:cTn id="56" dur="1000" fill="hold"/>
+                                        <p:tgtEl>
+                                          <p:spTgt spid="1026"/>
+                                        </p:tgtEl>
+                                        <p:attrNameLst>
+                                          <p:attrName>ppt_y</p:attrName>
+                                        </p:attrNameLst>
+                                      </p:cBhvr>
+                                      <p:tavLst>
+                                        <p:tav tm="0">
+                                          <p:val>
+                                            <p:strVal val="#ppt_y+.1"/>
+                                          </p:val>
+                                        </p:tav>
+                                        <p:tav tm="100000">
+                                          <p:val>
+                                            <p:strVal val="#ppt_y"/>
+                                          </p:val>
+                                        </p:tav>
+                                      </p:tavLst>
+                                    </p:anim>
+                                  </p:childTnLst>
+                                </p:cTn>
+                              </p:par>
+                            </p:childTnLst>
+                          </p:cTn>
+                        </p:par>
+                      </p:childTnLst>
+                    </p:cTn>
+                  </p:par>
+                </p:childTnLst>
+              </p:cTn>
+              <p:prevCondLst>
+                <p:cond evt="onPrev" delay="0">
+                  <p:tgtEl>
+                    <p:sldTgt/>
+                  </p:tgtEl>
+                </p:cond>
+              </p:prevCondLst>
+              <p:nextCondLst>
+                <p:cond evt="onNext" delay="0">
+                  <p:tgtEl>
+                    <p:sldTgt/>
+                  </p:tgtEl>
+                </p:cond>
+              </p:nextCondLst>
+            </p:seq>
+          </p:childTnLst>
+        </p:cTn>
+      </p:par>
+    </p:tnLst>
+  </p:timing>
+</p:sld>
+</file>
+
+<file path=ppt/slides/slide3.xml><?xml version="1.0" encoding="utf-8"?>
+<p:sld xmlns:a="http://schemas.openxmlformats.org/drawingml/2006/main" xmlns:r="http://schemas.openxmlformats.org/officeDocument/2006/relationships" xmlns:p="http://schemas.openxmlformats.org/presentationml/2006/main">
+  <p:cSld>
+    <p:spTree>
+      <p:nvGrpSpPr>
+        <p:cNvPr id="1" name=""/>
+        <p:cNvGrpSpPr/>
+        <p:nvPr/>
+      </p:nvGrpSpPr>
+      <p:grpSpPr>
+        <a:xfrm>
+          <a:off x="0" y="0"/>
+          <a:ext cx="0" cy="0"/>
+          <a:chOff x="0" y="0"/>
+          <a:chExt cx="0" cy="0"/>
+        </a:xfrm>
+      </p:grpSpPr>
+      <p:sp>
+        <p:nvSpPr>
+          <p:cNvPr id="2" name="Cím 1">
+            <a:extLst>
+              <a:ext uri="{FF2B5EF4-FFF2-40B4-BE49-F238E27FC236}">
+                <a16:creationId xmlns:a16="http://schemas.microsoft.com/office/drawing/2014/main" id="{B9C3BCDE-9991-FA99-3E6A-934EAD353FFE}"/>
+              </a:ext>
+            </a:extLst>
+          </p:cNvPr>
+          <p:cNvSpPr>
+            <a:spLocks noGrp="1"/>
+          </p:cNvSpPr>
+          <p:nvPr>
+            <p:ph type="title"/>
+          </p:nvPr>
+        </p:nvSpPr>
+        <p:spPr/>
+        <p:txBody>
+          <a:bodyPr/>
+          <a:lstStyle/>
+          <a:p>
+            <a:r>
+              <a:rPr lang="hu-HU" dirty="0"/>
+              <a:t>HTML, CSS                                      </a:t>
+            </a:r>
+            <a:r>
+              <a:rPr lang="hu-HU" sz="2400" b="1" i="1" dirty="0">
+                <a:effectLst>
+                  <a:outerShdw blurRad="38100" dist="38100" dir="2700000" algn="tl">
+                    <a:srgbClr val="000000">
+                      <a:alpha val="43137"/>
+                    </a:srgbClr>
+                  </a:outerShdw>
+                </a:effectLst>
+              </a:rPr>
+              <a:t>H. Bence Dolgozott vele</a:t>
+            </a:r>
+            <a:endParaRPr lang="hu-HU" b="1" i="1" dirty="0">
+              <a:effectLst>
+                <a:outerShdw blurRad="38100" dist="38100" dir="2700000" algn="tl">
+                  <a:srgbClr val="000000">
+                    <a:alpha val="43137"/>
+                  </a:srgbClr>
+                </a:outerShdw>
+              </a:effectLst>
+            </a:endParaRPr>
+          </a:p>
+        </p:txBody>
+      </p:sp>
+      <p:pic>
+        <p:nvPicPr>
+          <p:cNvPr id="5" name="Kép 4">
+            <a:extLst>
+              <a:ext uri="{FF2B5EF4-FFF2-40B4-BE49-F238E27FC236}">
+                <a16:creationId xmlns:a16="http://schemas.microsoft.com/office/drawing/2014/main" id="{4ED11D77-EBCA-D5A6-E5EE-C85862A9C82D}"/>
+              </a:ext>
+            </a:extLst>
+          </p:cNvPr>
+          <p:cNvPicPr>
+            <a:picLocks noChangeAspect="1"/>
+          </p:cNvPicPr>
+          <p:nvPr/>
+        </p:nvPicPr>
+        <p:blipFill>
+          <a:blip r:embed="rId2"/>
+          <a:stretch>
+            <a:fillRect/>
+          </a:stretch>
+        </p:blipFill>
+        <p:spPr>
+          <a:xfrm>
+            <a:off x="310542" y="2539779"/>
+            <a:ext cx="5785458" cy="4136301"/>
+          </a:xfrm>
+          <a:prstGeom prst="rect">
+            <a:avLst/>
+          </a:prstGeom>
+        </p:spPr>
+      </p:pic>
+      <p:sp>
+        <p:nvSpPr>
+          <p:cNvPr id="10" name="Tartalom helye 9">
+            <a:extLst>
+              <a:ext uri="{FF2B5EF4-FFF2-40B4-BE49-F238E27FC236}">
+                <a16:creationId xmlns:a16="http://schemas.microsoft.com/office/drawing/2014/main" id="{2E6871FB-0F95-3020-4876-F722879E8B25}"/>
+              </a:ext>
+            </a:extLst>
+          </p:cNvPr>
+          <p:cNvSpPr>
+            <a:spLocks noGrp="1"/>
+          </p:cNvSpPr>
+          <p:nvPr>
+            <p:ph idx="1"/>
+          </p:nvPr>
+        </p:nvSpPr>
+        <p:spPr/>
+        <p:txBody>
+          <a:bodyPr/>
+          <a:lstStyle/>
+          <a:p>
+            <a:endParaRPr lang="hu-HU" dirty="0"/>
+          </a:p>
+        </p:txBody>
+      </p:sp>
+      <p:pic>
+        <p:nvPicPr>
+          <p:cNvPr id="12" name="Kép 11">
+            <a:extLst>
+              <a:ext uri="{FF2B5EF4-FFF2-40B4-BE49-F238E27FC236}">
+                <a16:creationId xmlns:a16="http://schemas.microsoft.com/office/drawing/2014/main" id="{7A982183-A95C-FBEE-35A8-77B129D27FA5}"/>
+              </a:ext>
+            </a:extLst>
+          </p:cNvPr>
+          <p:cNvPicPr>
+            <a:picLocks noChangeAspect="1"/>
+          </p:cNvPicPr>
+          <p:nvPr/>
+        </p:nvPicPr>
+        <p:blipFill>
+          <a:blip r:embed="rId3"/>
+          <a:stretch>
+            <a:fillRect/>
+          </a:stretch>
+        </p:blipFill>
+        <p:spPr>
+          <a:xfrm>
+            <a:off x="7697518" y="2170225"/>
+            <a:ext cx="3133627" cy="4508998"/>
+          </a:xfrm>
+          <a:prstGeom prst="rect">
+            <a:avLst/>
+          </a:prstGeom>
+        </p:spPr>
+      </p:pic>
+      <p:sp>
+        <p:nvSpPr>
+          <p:cNvPr id="13" name="Szövegdoboz 12">
+            <a:extLst>
+              <a:ext uri="{FF2B5EF4-FFF2-40B4-BE49-F238E27FC236}">
+                <a16:creationId xmlns:a16="http://schemas.microsoft.com/office/drawing/2014/main" id="{9B3DFF2A-83EC-0B5E-71A9-040034FAA1CF}"/>
+              </a:ext>
+            </a:extLst>
+          </p:cNvPr>
+          <p:cNvSpPr txBox="1"/>
+          <p:nvPr/>
+        </p:nvSpPr>
+        <p:spPr>
+          <a:xfrm>
+            <a:off x="555171" y="1436914"/>
+            <a:ext cx="10798629" cy="369332"/>
+          </a:xfrm>
+          <a:prstGeom prst="rect">
+            <a:avLst/>
+          </a:prstGeom>
+          <a:noFill/>
+        </p:spPr>
+        <p:txBody>
+          <a:bodyPr wrap="square" rtlCol="0">
+            <a:spAutoFit/>
+          </a:bodyPr>
+          <a:lstStyle/>
+          <a:p>
+            <a:r>
+              <a:rPr lang="hu-HU" dirty="0"/>
+              <a:t>Kód Része:                                                                                                                                    Kinézet:</a:t>
+            </a:r>
+          </a:p>
+        </p:txBody>
+      </p:sp>
+      <p:pic>
+        <p:nvPicPr>
+          <p:cNvPr id="15" name="Kép 14">
+            <a:extLst>
+              <a:ext uri="{FF2B5EF4-FFF2-40B4-BE49-F238E27FC236}">
+                <a16:creationId xmlns:a16="http://schemas.microsoft.com/office/drawing/2014/main" id="{C102CCD1-ECDF-55D8-5DE2-DB7062F37F3A}"/>
+              </a:ext>
+            </a:extLst>
+          </p:cNvPr>
+          <p:cNvPicPr>
+            <a:picLocks noChangeAspect="1"/>
+          </p:cNvPicPr>
+          <p:nvPr/>
+        </p:nvPicPr>
+        <p:blipFill>
+          <a:blip r:embed="rId4"/>
+          <a:stretch>
+            <a:fillRect/>
+          </a:stretch>
+        </p:blipFill>
+        <p:spPr>
+          <a:xfrm>
+            <a:off x="4691329" y="138377"/>
+            <a:ext cx="2362614" cy="2193251"/>
+          </a:xfrm>
+          <a:prstGeom prst="rect">
+            <a:avLst/>
+          </a:prstGeom>
+        </p:spPr>
+      </p:pic>
+      <p:sp>
+        <p:nvSpPr>
+          <p:cNvPr id="16" name="Szövegdoboz 15">
+            <a:extLst>
+              <a:ext uri="{FF2B5EF4-FFF2-40B4-BE49-F238E27FC236}">
+                <a16:creationId xmlns:a16="http://schemas.microsoft.com/office/drawing/2014/main" id="{85615061-2BC5-350C-E21A-8D5975FD35DF}"/>
+              </a:ext>
+            </a:extLst>
+          </p:cNvPr>
+          <p:cNvSpPr txBox="1"/>
+          <p:nvPr/>
+        </p:nvSpPr>
+        <p:spPr>
+          <a:xfrm>
+            <a:off x="3460377" y="36450"/>
+            <a:ext cx="2752165" cy="369332"/>
+          </a:xfrm>
+          <a:prstGeom prst="rect">
+            <a:avLst/>
+          </a:prstGeom>
+          <a:noFill/>
+        </p:spPr>
+        <p:txBody>
+          <a:bodyPr wrap="square" rtlCol="0">
+            <a:spAutoFit/>
+          </a:bodyPr>
+          <a:lstStyle/>
+          <a:p>
+            <a:r>
+              <a:rPr lang="hu-HU" dirty="0"/>
+              <a:t>CSS Kódja:</a:t>
+            </a:r>
+          </a:p>
+        </p:txBody>
+      </p:sp>
+    </p:spTree>
+    <p:extLst>
+      <p:ext uri="{BB962C8B-B14F-4D97-AF65-F5344CB8AC3E}">
+        <p14:creationId xmlns:p14="http://schemas.microsoft.com/office/powerpoint/2010/main" val="2291531906"/>
+      </p:ext>
+    </p:extLst>
+  </p:cSld>
+  <p:clrMapOvr>
+    <a:masterClrMapping/>
+  </p:clrMapOvr>
+</p:sld>
+</file>
+
+<file path=ppt/slides/slide4.xml><?xml version="1.0" encoding="utf-8"?>
+<p:sld xmlns:a="http://schemas.openxmlformats.org/drawingml/2006/main" xmlns:r="http://schemas.openxmlformats.org/officeDocument/2006/relationships" xmlns:p="http://schemas.openxmlformats.org/presentationml/2006/main">
+  <p:cSld>
+    <p:spTree>
+      <p:nvGrpSpPr>
+        <p:cNvPr id="1" name=""/>
+        <p:cNvGrpSpPr/>
+        <p:nvPr/>
+      </p:nvGrpSpPr>
+      <p:grpSpPr>
+        <a:xfrm>
+          <a:off x="0" y="0"/>
+          <a:ext cx="0" cy="0"/>
+          <a:chOff x="0" y="0"/>
+          <a:chExt cx="0" cy="0"/>
+        </a:xfrm>
+      </p:grpSpPr>
+      <p:sp>
+        <p:nvSpPr>
+          <p:cNvPr id="2" name="Cím 1">
+            <a:extLst>
+              <a:ext uri="{FF2B5EF4-FFF2-40B4-BE49-F238E27FC236}">
+                <a16:creationId xmlns:a16="http://schemas.microsoft.com/office/drawing/2014/main" id="{17CE904E-67E7-9491-F2B0-FD258ABBCA4F}"/>
+              </a:ext>
+            </a:extLst>
+          </p:cNvPr>
+          <p:cNvSpPr>
+            <a:spLocks noGrp="1"/>
+          </p:cNvSpPr>
+          <p:nvPr>
+            <p:ph type="title"/>
+          </p:nvPr>
+        </p:nvSpPr>
+        <p:spPr/>
+        <p:txBody>
+          <a:bodyPr/>
+          <a:lstStyle/>
+          <a:p>
+            <a:r>
+              <a:rPr lang="hu-HU"/>
+              <a:t>JavaScript</a:t>
+            </a:r>
+            <a:r>
+              <a:rPr lang="hu-HU" sz="2400"/>
+              <a:t>                                                                             </a:t>
+            </a:r>
+            <a:r>
+              <a:rPr lang="hu-HU" sz="2400" b="1" i="1">
+                <a:effectLst>
+                  <a:outerShdw blurRad="38100" dist="38100" dir="2700000" algn="tl">
+                    <a:srgbClr val="000000">
+                      <a:alpha val="43137"/>
+                    </a:srgbClr>
+                  </a:outerShdw>
+                </a:effectLst>
+              </a:rPr>
+              <a:t>H. Bence Dolgozott vele</a:t>
+            </a:r>
+            <a:endParaRPr lang="hu-HU" dirty="0"/>
+          </a:p>
+        </p:txBody>
+      </p:sp>
+      <p:pic>
+        <p:nvPicPr>
+          <p:cNvPr id="5" name="Tartalom helye 4">
+            <a:extLst>
+              <a:ext uri="{FF2B5EF4-FFF2-40B4-BE49-F238E27FC236}">
+                <a16:creationId xmlns:a16="http://schemas.microsoft.com/office/drawing/2014/main" id="{1424BE6C-2204-98CC-837A-9A7996B7BE2B}"/>
+              </a:ext>
+            </a:extLst>
+          </p:cNvPr>
+          <p:cNvPicPr>
+            <a:picLocks noGrp="1" noChangeAspect="1"/>
+          </p:cNvPicPr>
+          <p:nvPr>
+            <p:ph idx="1"/>
+          </p:nvPr>
+        </p:nvPicPr>
+        <p:blipFill>
+          <a:blip r:embed="rId2"/>
+          <a:stretch>
+            <a:fillRect/>
+          </a:stretch>
+        </p:blipFill>
+        <p:spPr>
+          <a:xfrm>
+            <a:off x="1323918" y="1339270"/>
+            <a:ext cx="6762247" cy="5088424"/>
+          </a:xfrm>
+        </p:spPr>
+      </p:pic>
+    </p:spTree>
+    <p:extLst>
+      <p:ext uri="{BB962C8B-B14F-4D97-AF65-F5344CB8AC3E}">
+        <p14:creationId xmlns:p14="http://schemas.microsoft.com/office/powerpoint/2010/main" val="2364934093"/>
+      </p:ext>
+    </p:extLst>
+  </p:cSld>
+  <p:clrMapOvr>
+    <a:masterClrMapping/>
+  </p:clrMapOvr>
+</p:sld>
+</file>
+
+<file path=ppt/slides/slide5.xml><?xml version="1.0" encoding="utf-8"?>
+<p:sld xmlns:a="http://schemas.openxmlformats.org/drawingml/2006/main" xmlns:r="http://schemas.openxmlformats.org/officeDocument/2006/relationships" xmlns:p="http://schemas.openxmlformats.org/presentationml/2006/main">
+  <p:cSld>
+    <p:spTree>
+      <p:nvGrpSpPr>
+        <p:cNvPr id="1" name=""/>
+        <p:cNvGrpSpPr/>
+        <p:nvPr/>
+      </p:nvGrpSpPr>
+      <p:grpSpPr>
+        <a:xfrm>
+          <a:off x="0" y="0"/>
+          <a:ext cx="0" cy="0"/>
+          <a:chOff x="0" y="0"/>
+          <a:chExt cx="0" cy="0"/>
+        </a:xfrm>
+      </p:grpSpPr>
+      <p:sp>
+        <p:nvSpPr>
+          <p:cNvPr id="2" name="Cím 1">
+            <a:extLst>
+              <a:ext uri="{FF2B5EF4-FFF2-40B4-BE49-F238E27FC236}">
+                <a16:creationId xmlns:a16="http://schemas.microsoft.com/office/drawing/2014/main" id="{266CE3D0-257A-ADD1-3A8A-56957C2487A1}"/>
+              </a:ext>
+            </a:extLst>
+          </p:cNvPr>
+          <p:cNvSpPr>
+            <a:spLocks noGrp="1"/>
+          </p:cNvSpPr>
+          <p:nvPr>
+            <p:ph type="title"/>
+          </p:nvPr>
+        </p:nvSpPr>
+        <p:spPr/>
+        <p:txBody>
+          <a:bodyPr/>
+          <a:lstStyle/>
+          <a:p>
+            <a:r>
+              <a:rPr lang="hu-HU" dirty="0"/>
+              <a:t>Folyamatábra                                           </a:t>
+            </a:r>
+            <a:r>
+              <a:rPr lang="hu-HU" sz="2400" b="1" i="1" dirty="0">
+                <a:effectLst>
+                  <a:outerShdw blurRad="38100" dist="38100" dir="2700000" algn="tl">
+                    <a:srgbClr val="000000">
+                      <a:alpha val="43137"/>
+                    </a:srgbClr>
+                  </a:outerShdw>
+                </a:effectLst>
+              </a:rPr>
+              <a:t>Közös készítés</a:t>
+            </a:r>
+          </a:p>
+        </p:txBody>
+      </p:sp>
+      <p:pic>
+        <p:nvPicPr>
+          <p:cNvPr id="9" name="Tartalom helye 8">
+            <a:extLst>
+              <a:ext uri="{FF2B5EF4-FFF2-40B4-BE49-F238E27FC236}">
+                <a16:creationId xmlns:a16="http://schemas.microsoft.com/office/drawing/2014/main" id="{3D53612D-411A-0F58-E375-56D59A73D441}"/>
+              </a:ext>
+            </a:extLst>
+          </p:cNvPr>
+          <p:cNvPicPr>
+            <a:picLocks noGrp="1" noChangeAspect="1"/>
+          </p:cNvPicPr>
+          <p:nvPr>
+            <p:ph idx="1"/>
+          </p:nvPr>
+        </p:nvPicPr>
+        <p:blipFill>
+          <a:blip r:embed="rId2">
+            <a:extLst>
+              <a:ext uri="{28A0092B-C50C-407E-A947-70E740481C1C}">
+                <a14:useLocalDpi xmlns:a14="http://schemas.microsoft.com/office/drawing/2010/main" val="0"/>
+              </a:ext>
+            </a:extLst>
+          </a:blip>
+          <a:stretch>
+            <a:fillRect/>
+          </a:stretch>
+        </p:blipFill>
+        <p:spPr>
+          <a:xfrm>
+            <a:off x="4563367" y="365125"/>
+            <a:ext cx="2662293" cy="6191803"/>
+          </a:xfrm>
+        </p:spPr>
+      </p:pic>
+      <p:sp>
+        <p:nvSpPr>
+          <p:cNvPr id="10" name="Szövegdoboz 9">
+            <a:extLst>
+              <a:ext uri="{FF2B5EF4-FFF2-40B4-BE49-F238E27FC236}">
+                <a16:creationId xmlns:a16="http://schemas.microsoft.com/office/drawing/2014/main" id="{449A2D61-6AA9-D64D-A4EE-6F6618983065}"/>
+              </a:ext>
+            </a:extLst>
+          </p:cNvPr>
+          <p:cNvSpPr txBox="1"/>
+          <p:nvPr/>
+        </p:nvSpPr>
+        <p:spPr>
+          <a:xfrm>
+            <a:off x="464457" y="1930400"/>
+            <a:ext cx="3439886" cy="1754326"/>
+          </a:xfrm>
+          <a:prstGeom prst="rect">
+            <a:avLst/>
+          </a:prstGeom>
+          <a:noFill/>
+        </p:spPr>
+        <p:txBody>
+          <a:bodyPr wrap="square" rtlCol="0">
+            <a:spAutoFit/>
+          </a:bodyPr>
+          <a:lstStyle/>
+          <a:p>
+            <a:r>
+              <a:rPr lang="hu-HU" sz="3600" b="1" i="1" dirty="0">
+                <a:effectLst>
+                  <a:outerShdw blurRad="38100" dist="38100" dir="2700000" algn="tl">
+                    <a:srgbClr val="000000">
+                      <a:alpha val="43137"/>
+                    </a:srgbClr>
+                  </a:outerShdw>
+                </a:effectLst>
+              </a:rPr>
+              <a:t>Nagyobb nézet esetén látogasson el </a:t>
+            </a:r>
+            <a:r>
+              <a:rPr lang="hu-HU" sz="3600" b="1" i="1" dirty="0">
+                <a:effectLst>
+                  <a:outerShdw blurRad="38100" dist="38100" dir="2700000" algn="tl">
+                    <a:srgbClr val="000000">
+                      <a:alpha val="43137"/>
+                    </a:srgbClr>
+                  </a:outerShdw>
+                </a:effectLst>
+                <a:hlinkClick r:id="rId3">
+                  <a:extLst>
+                    <a:ext uri="{A12FA001-AC4F-418D-AE19-62706E023703}">
+                      <ahyp:hlinkClr xmlns:ahyp="http://schemas.microsoft.com/office/drawing/2018/hyperlinkcolor" val="tx"/>
+                    </a:ext>
+                  </a:extLst>
+                </a:hlinkClick>
+              </a:rPr>
+              <a:t>ide</a:t>
+            </a:r>
+            <a:endParaRPr lang="hu-HU" sz="3600" b="1" i="1" dirty="0">
+              <a:effectLst>
+                <a:outerShdw blurRad="38100" dist="38100" dir="2700000" algn="tl">
+                  <a:srgbClr val="000000">
+                    <a:alpha val="43137"/>
+                  </a:srgbClr>
+                </a:outerShdw>
+              </a:effectLst>
+            </a:endParaRPr>
+          </a:p>
+        </p:txBody>
+      </p:sp>
+    </p:spTree>
+    <p:extLst>
+      <p:ext uri="{BB962C8B-B14F-4D97-AF65-F5344CB8AC3E}">
+        <p14:creationId xmlns:p14="http://schemas.microsoft.com/office/powerpoint/2010/main" val="3312206600"/>
+      </p:ext>
+    </p:extLst>
+  </p:cSld>
+  <p:clrMapOvr>
+    <a:masterClrMapping/>
+  </p:clrMapOvr>
+</p:sld>
+</file>
+
+<file path=ppt/slides/slide6.xml><?xml version="1.0" encoding="utf-8"?>
+<p:sld xmlns:a="http://schemas.openxmlformats.org/drawingml/2006/main" xmlns:r="http://schemas.openxmlformats.org/officeDocument/2006/relationships" xmlns:p="http://schemas.openxmlformats.org/presentationml/2006/main">
+  <p:cSld>
+    <p:spTree>
+      <p:nvGrpSpPr>
+        <p:cNvPr id="1" name=""/>
+        <p:cNvGrpSpPr/>
+        <p:nvPr/>
+      </p:nvGrpSpPr>
+      <p:grpSpPr>
+        <a:xfrm>
+          <a:off x="0" y="0"/>
+          <a:ext cx="0" cy="0"/>
+          <a:chOff x="0" y="0"/>
+          <a:chExt cx="0" cy="0"/>
+        </a:xfrm>
+      </p:grpSpPr>
+      <p:sp>
+        <p:nvSpPr>
+          <p:cNvPr id="2" name="Cím 1">
+            <a:extLst>
+              <a:ext uri="{FF2B5EF4-FFF2-40B4-BE49-F238E27FC236}">
+                <a16:creationId xmlns:a16="http://schemas.microsoft.com/office/drawing/2014/main" id="{0E86C027-68EC-89DF-2292-701982B5B656}"/>
+              </a:ext>
+            </a:extLst>
+          </p:cNvPr>
+          <p:cNvSpPr>
+            <a:spLocks noGrp="1"/>
+          </p:cNvSpPr>
+          <p:nvPr>
+            <p:ph type="title"/>
+          </p:nvPr>
+        </p:nvSpPr>
+        <p:spPr/>
+        <p:txBody>
+          <a:bodyPr/>
+          <a:lstStyle/>
+          <a:p>
+            <a:r>
+              <a:rPr lang="hu-HU" dirty="0"/>
+              <a:t>Folyamat ábra leírása                         </a:t>
+            </a:r>
+            <a:r>
+              <a:rPr lang="hu-HU" sz="2400" b="1" i="1" dirty="0">
+                <a:effectLst>
+                  <a:outerShdw blurRad="38100" dist="38100" dir="2700000" algn="tl">
+                    <a:srgbClr val="000000">
+                      <a:alpha val="43137"/>
+                    </a:srgbClr>
+                  </a:outerShdw>
+                </a:effectLst>
+              </a:rPr>
+              <a:t>Készítette: K. Bence</a:t>
+            </a:r>
+          </a:p>
+        </p:txBody>
+      </p:sp>
+      <p:sp>
+        <p:nvSpPr>
+          <p:cNvPr id="3" name="Tartalom helye 2">
+            <a:extLst>
+              <a:ext uri="{FF2B5EF4-FFF2-40B4-BE49-F238E27FC236}">
+                <a16:creationId xmlns:a16="http://schemas.microsoft.com/office/drawing/2014/main" id="{37963FAE-A05B-0154-10DB-0F2EFDCA2FDA}"/>
+              </a:ext>
+            </a:extLst>
+          </p:cNvPr>
+          <p:cNvSpPr>
+            <a:spLocks noGrp="1"/>
+          </p:cNvSpPr>
+          <p:nvPr>
+            <p:ph idx="1"/>
+          </p:nvPr>
+        </p:nvSpPr>
+        <p:spPr/>
+        <p:txBody>
+          <a:bodyPr>
+            <a:normAutofit/>
+          </a:bodyPr>
+          <a:lstStyle/>
+          <a:p>
+            <a:pPr marL="0" indent="0" algn="ctr">
+              <a:buNone/>
+            </a:pPr>
+            <a:r>
+              <a:rPr lang="hu-HU" sz="6000" b="1" i="1" dirty="0">
+                <a:effectLst>
+                  <a:outerShdw blurRad="38100" dist="38100" dir="2700000" algn="tl">
+                    <a:srgbClr val="000000">
+                      <a:alpha val="43137"/>
+                    </a:srgbClr>
+                  </a:outerShdw>
+                </a:effectLst>
+              </a:rPr>
+              <a:t>Hbence10 nevű </a:t>
+            </a:r>
+            <a:r>
+              <a:rPr lang="hu-HU" sz="6000" b="1" i="1" dirty="0" err="1">
+                <a:effectLst>
+                  <a:outerShdw blurRad="38100" dist="38100" dir="2700000" algn="tl">
+                    <a:srgbClr val="000000">
+                      <a:alpha val="43137"/>
+                    </a:srgbClr>
+                  </a:outerShdw>
+                </a:effectLst>
+                <a:hlinkClick r:id="rId2"/>
+              </a:rPr>
+              <a:t>Github</a:t>
+            </a:r>
+            <a:r>
+              <a:rPr lang="hu-HU" sz="6000" b="1" i="1" dirty="0">
+                <a:effectLst>
+                  <a:outerShdw blurRad="38100" dist="38100" dir="2700000" algn="tl">
+                    <a:srgbClr val="000000">
+                      <a:alpha val="43137"/>
+                    </a:srgbClr>
+                  </a:outerShdw>
+                </a:effectLst>
+                <a:hlinkClick r:id="rId2"/>
+              </a:rPr>
+              <a:t> Profilján </a:t>
+            </a:r>
+            <a:r>
+              <a:rPr lang="hu-HU" sz="6000" b="1" i="1" dirty="0">
+                <a:effectLst>
+                  <a:outerShdw blurRad="38100" dist="38100" dir="2700000" algn="tl">
+                    <a:srgbClr val="000000">
+                      <a:alpha val="43137"/>
+                    </a:srgbClr>
+                  </a:outerShdw>
+                </a:effectLst>
+              </a:rPr>
+              <a:t>az </a:t>
+            </a:r>
+            <a:r>
+              <a:rPr lang="hu-HU" sz="6000" b="1" i="1" dirty="0" err="1">
+                <a:effectLst>
+                  <a:outerShdw blurRad="38100" dist="38100" dir="2700000" algn="tl">
+                    <a:srgbClr val="000000">
+                      <a:alpha val="43137"/>
+                    </a:srgbClr>
+                  </a:outerShdw>
+                </a:effectLst>
+              </a:rPr>
+              <a:t>alogritmus</a:t>
+            </a:r>
+            <a:r>
+              <a:rPr lang="hu-HU" sz="6000" b="1" i="1" dirty="0">
+                <a:effectLst>
+                  <a:outerShdw blurRad="38100" dist="38100" dir="2700000" algn="tl">
+                    <a:srgbClr val="000000">
+                      <a:alpha val="43137"/>
+                    </a:srgbClr>
+                  </a:outerShdw>
+                </a:effectLst>
+              </a:rPr>
+              <a:t>-projekt nevű </a:t>
+            </a:r>
+            <a:r>
+              <a:rPr lang="hu-HU" sz="6000" b="1" i="1" dirty="0" err="1">
+                <a:effectLst>
+                  <a:outerShdw blurRad="38100" dist="38100" dir="2700000" algn="tl">
+                    <a:srgbClr val="000000">
+                      <a:alpha val="43137"/>
+                    </a:srgbClr>
+                  </a:outerShdw>
+                </a:effectLst>
+              </a:rPr>
+              <a:t>repositoriban</a:t>
+            </a:r>
+            <a:r>
+              <a:rPr lang="hu-HU" sz="6000" b="1" i="1" dirty="0">
+                <a:effectLst>
+                  <a:outerShdw blurRad="38100" dist="38100" dir="2700000" algn="tl">
+                    <a:srgbClr val="000000">
+                      <a:alpha val="43137"/>
+                    </a:srgbClr>
+                  </a:outerShdw>
+                </a:effectLst>
+              </a:rPr>
+              <a:t> található</a:t>
+            </a:r>
+          </a:p>
+        </p:txBody>
+      </p:sp>
+    </p:spTree>
+    <p:extLst>
+      <p:ext uri="{BB962C8B-B14F-4D97-AF65-F5344CB8AC3E}">
+        <p14:creationId xmlns:p14="http://schemas.microsoft.com/office/powerpoint/2010/main" val="2512371663"/>
+      </p:ext>
+    </p:extLst>
+  </p:cSld>
+  <p:clrMapOvr>
+    <a:masterClrMapping/>
+  </p:clrMapOvr>
+</p:sld>
+</file>
+
+<file path=ppt/slides/slide7.xml><?xml version="1.0" encoding="utf-8"?>
+<p:sld xmlns:a="http://schemas.openxmlformats.org/drawingml/2006/main" xmlns:r="http://schemas.openxmlformats.org/officeDocument/2006/relationships" xmlns:p="http://schemas.openxmlformats.org/presentationml/2006/main">
+  <p:cSld>
+    <p:spTree>
+      <p:nvGrpSpPr>
+        <p:cNvPr id="1" name=""/>
+        <p:cNvGrpSpPr/>
+        <p:nvPr/>
+      </p:nvGrpSpPr>
+      <p:grpSpPr>
+        <a:xfrm>
+          <a:off x="0" y="0"/>
+          <a:ext cx="0" cy="0"/>
+          <a:chOff x="0" y="0"/>
+          <a:chExt cx="0" cy="0"/>
+        </a:xfrm>
+      </p:grpSpPr>
+      <p:sp>
+        <p:nvSpPr>
+          <p:cNvPr id="2" name="Cím 1">
+            <a:extLst>
+              <a:ext uri="{FF2B5EF4-FFF2-40B4-BE49-F238E27FC236}">
+                <a16:creationId xmlns:a16="http://schemas.microsoft.com/office/drawing/2014/main" id="{86783AFF-5B17-18AB-2880-8851BFFFC9A8}"/>
+              </a:ext>
+            </a:extLst>
+          </p:cNvPr>
+          <p:cNvSpPr>
+            <a:spLocks noGrp="1"/>
+          </p:cNvSpPr>
+          <p:nvPr>
+            <p:ph type="ctrTitle"/>
+          </p:nvPr>
+        </p:nvSpPr>
+        <p:spPr/>
+        <p:txBody>
+          <a:bodyPr/>
+          <a:lstStyle/>
+          <a:p>
+            <a:endParaRPr lang="hu-HU" dirty="0"/>
+          </a:p>
+        </p:txBody>
+      </p:sp>
+      <p:sp>
+        <p:nvSpPr>
+          <p:cNvPr id="3" name="Alcím 2">
+            <a:extLst>
+              <a:ext uri="{FF2B5EF4-FFF2-40B4-BE49-F238E27FC236}">
+                <a16:creationId xmlns:a16="http://schemas.microsoft.com/office/drawing/2014/main" id="{ECE27B01-6C32-D0F1-B2D1-884DA954E455}"/>
+              </a:ext>
+            </a:extLst>
+          </p:cNvPr>
+          <p:cNvSpPr>
+            <a:spLocks noGrp="1"/>
+          </p:cNvSpPr>
+          <p:nvPr>
+            <p:ph type="subTitle" idx="1"/>
+          </p:nvPr>
+        </p:nvSpPr>
+        <p:spPr/>
+        <p:txBody>
+          <a:bodyPr/>
+          <a:lstStyle/>
+          <a:p>
+            <a:endParaRPr lang="hu-HU"/>
+          </a:p>
+        </p:txBody>
+      </p:sp>
+      <p:pic>
+        <p:nvPicPr>
+          <p:cNvPr id="5" name="Kép 4" descr="A képen szöveg látható&#10;&#10;Automatikusan generált leírás">
+            <a:extLst>
+              <a:ext uri="{FF2B5EF4-FFF2-40B4-BE49-F238E27FC236}">
+                <a16:creationId xmlns:a16="http://schemas.microsoft.com/office/drawing/2014/main" id="{9FD2A0F0-0A21-43B4-2E9E-F2DDC969CFD2}"/>
+              </a:ext>
+            </a:extLst>
+          </p:cNvPr>
+          <p:cNvPicPr>
+            <a:picLocks noChangeAspect="1"/>
+          </p:cNvPicPr>
+          <p:nvPr/>
+        </p:nvPicPr>
+        <p:blipFill>
+          <a:blip r:embed="rId3">
+            <a:extLst>
+              <a:ext uri="{28A0092B-C50C-407E-A947-70E740481C1C}">
+                <a14:useLocalDpi xmlns:a14="http://schemas.microsoft.com/office/drawing/2010/main" val="0"/>
+              </a:ext>
+            </a:extLst>
+          </a:blip>
+          <a:stretch>
+            <a:fillRect/>
+          </a:stretch>
+        </p:blipFill>
+        <p:spPr>
+          <a:xfrm>
+            <a:off x="0" y="-34063"/>
+            <a:ext cx="12192000" cy="6886470"/>
+          </a:xfrm>
+          <a:prstGeom prst="rect">
+            <a:avLst/>
+          </a:prstGeom>
+        </p:spPr>
+      </p:pic>
+    </p:spTree>
+    <p:extLst>
+      <p:ext uri="{BB962C8B-B14F-4D97-AF65-F5344CB8AC3E}">
+        <p14:creationId xmlns:p14="http://schemas.microsoft.com/office/powerpoint/2010/main" val="182247150"/>
       </p:ext>
     </p:extLst>
   </p:cSld>
@@ -3920,4 +6733,299 @@
     </a:ext>
   </a:extLst>
 </a:theme>
+</file>
+
+<file path=ppt/theme/theme2.xml><?xml version="1.0" encoding="utf-8"?>
+<a:theme xmlns:a="http://schemas.openxmlformats.org/drawingml/2006/main" name="Office-téma">
+  <a:themeElements>
+    <a:clrScheme name="Office">
+      <a:dk1>
+        <a:sysClr val="windowText" lastClr="000000"/>
+      </a:dk1>
+      <a:lt1>
+        <a:sysClr val="window" lastClr="FFFFFF"/>
+      </a:lt1>
+      <a:dk2>
+        <a:srgbClr val="44546A"/>
+      </a:dk2>
+      <a:lt2>
+        <a:srgbClr val="E7E6E6"/>
+      </a:lt2>
+      <a:accent1>
+        <a:srgbClr val="4472C4"/>
+      </a:accent1>
+      <a:accent2>
+        <a:srgbClr val="ED7D31"/>
+      </a:accent2>
+      <a:accent3>
+        <a:srgbClr val="A5A5A5"/>
+      </a:accent3>
+      <a:accent4>
+        <a:srgbClr val="FFC000"/>
+      </a:accent4>
+      <a:accent5>
+        <a:srgbClr val="5B9BD5"/>
+      </a:accent5>
+      <a:accent6>
+        <a:srgbClr val="70AD47"/>
+      </a:accent6>
+      <a:hlink>
+        <a:srgbClr val="0563C1"/>
+      </a:hlink>
+      <a:folHlink>
+        <a:srgbClr val="954F72"/>
+      </a:folHlink>
+    </a:clrScheme>
+    <a:fontScheme name="Office">
+      <a:majorFont>
+        <a:latin typeface="Calibri Light" panose="020F0302020204030204"/>
+        <a:ea typeface=""/>
+        <a:cs typeface=""/>
+        <a:font script="Jpan" typeface="游ゴシック Light"/>
+        <a:font script="Hang" typeface="맑은 고딕"/>
+        <a:font script="Hans" typeface="等线 Light"/>
+        <a:font script="Hant" typeface="新細明體"/>
+        <a:font script="Arab" typeface="Times New Roman"/>
+        <a:font script="Hebr" typeface="Times New Roman"/>
+        <a:font script="Thai" typeface="Angsana New"/>
+        <a:font script="Ethi" typeface="Nyala"/>
+        <a:font script="Beng" typeface="Vrinda"/>
+        <a:font script="Gujr" typeface="Shruti"/>
+        <a:font script="Khmr" typeface="MoolBoran"/>
+        <a:font script="Knda" typeface="Tunga"/>
+        <a:font script="Guru" typeface="Raavi"/>
+        <a:font script="Cans" typeface="Euphemia"/>
+        <a:font script="Cher" typeface="Plantagenet Cherokee"/>
+        <a:font script="Yiii" typeface="Microsoft Yi Baiti"/>
+        <a:font script="Tibt" typeface="Microsoft Himalaya"/>
+        <a:font script="Thaa" typeface="MV Boli"/>
+        <a:font script="Deva" typeface="Mangal"/>
+        <a:font script="Telu" typeface="Gautami"/>
+        <a:font script="Taml" typeface="Latha"/>
+        <a:font script="Syrc" typeface="Estrangelo Edessa"/>
+        <a:font script="Orya" typeface="Kalinga"/>
+        <a:font script="Mlym" typeface="Kartika"/>
+        <a:font script="Laoo" typeface="DokChampa"/>
+        <a:font script="Sinh" typeface="Iskoola Pota"/>
+        <a:font script="Mong" typeface="Mongolian Baiti"/>
+        <a:font script="Viet" typeface="Times New Roman"/>
+        <a:font script="Uigh" typeface="Microsoft Uighur"/>
+        <a:font script="Geor" typeface="Sylfaen"/>
+        <a:font script="Armn" typeface="Arial"/>
+        <a:font script="Bugi" typeface="Leelawadee UI"/>
+        <a:font script="Bopo" typeface="Microsoft JhengHei"/>
+        <a:font script="Java" typeface="Javanese Text"/>
+        <a:font script="Lisu" typeface="Segoe UI"/>
+        <a:font script="Mymr" typeface="Myanmar Text"/>
+        <a:font script="Nkoo" typeface="Ebrima"/>
+        <a:font script="Olck" typeface="Nirmala UI"/>
+        <a:font script="Osma" typeface="Ebrima"/>
+        <a:font script="Phag" typeface="Phagspa"/>
+        <a:font script="Syrn" typeface="Estrangelo Edessa"/>
+        <a:font script="Syrj" typeface="Estrangelo Edessa"/>
+        <a:font script="Syre" typeface="Estrangelo Edessa"/>
+        <a:font script="Sora" typeface="Nirmala UI"/>
+        <a:font script="Tale" typeface="Microsoft Tai Le"/>
+        <a:font script="Talu" typeface="Microsoft New Tai Lue"/>
+        <a:font script="Tfng" typeface="Ebrima"/>
+      </a:majorFont>
+      <a:minorFont>
+        <a:latin typeface="Calibri" panose="020F0502020204030204"/>
+        <a:ea typeface=""/>
+        <a:cs typeface=""/>
+        <a:font script="Jpan" typeface="游ゴシック"/>
+        <a:font script="Hang" typeface="맑은 고딕"/>
+        <a:font script="Hans" typeface="等线"/>
+        <a:font script="Hant" typeface="新細明體"/>
+        <a:font script="Arab" typeface="Arial"/>
+        <a:font script="Hebr" typeface="Arial"/>
+        <a:font script="Thai" typeface="Cordia New"/>
+        <a:font script="Ethi" typeface="Nyala"/>
+        <a:font script="Beng" typeface="Vrinda"/>
+        <a:font script="Gujr" typeface="Shruti"/>
+        <a:font script="Khmr" typeface="DaunPenh"/>
+        <a:font script="Knda" typeface="Tunga"/>
+        <a:font script="Guru" typeface="Raavi"/>
+        <a:font script="Cans" typeface="Euphemia"/>
+        <a:font script="Cher" typeface="Plantagenet Cherokee"/>
+        <a:font script="Yiii" typeface="Microsoft Yi Baiti"/>
+        <a:font script="Tibt" typeface="Microsoft Himalaya"/>
+        <a:font script="Thaa" typeface="MV Boli"/>
+        <a:font script="Deva" typeface="Mangal"/>
+        <a:font script="Telu" typeface="Gautami"/>
+        <a:font script="Taml" typeface="Latha"/>
+        <a:font script="Syrc" typeface="Estrangelo Edessa"/>
+        <a:font script="Orya" typeface="Kalinga"/>
+        <a:font script="Mlym" typeface="Kartika"/>
+        <a:font script="Laoo" typeface="DokChampa"/>
+        <a:font script="Sinh" typeface="Iskoola Pota"/>
+        <a:font script="Mong" typeface="Mongolian Baiti"/>
+        <a:font script="Viet" typeface="Arial"/>
+        <a:font script="Uigh" typeface="Microsoft Uighur"/>
+        <a:font script="Geor" typeface="Sylfaen"/>
+        <a:font script="Armn" typeface="Arial"/>
+        <a:font script="Bugi" typeface="Leelawadee UI"/>
+        <a:font script="Bopo" typeface="Microsoft JhengHei"/>
+        <a:font script="Java" typeface="Javanese Text"/>
+        <a:font script="Lisu" typeface="Segoe UI"/>
+        <a:font script="Mymr" typeface="Myanmar Text"/>
+        <a:font script="Nkoo" typeface="Ebrima"/>
+        <a:font script="Olck" typeface="Nirmala UI"/>
+        <a:font script="Osma" typeface="Ebrima"/>
+        <a:font script="Phag" typeface="Phagspa"/>
+        <a:font script="Syrn" typeface="Estrangelo Edessa"/>
+        <a:font script="Syrj" typeface="Estrangelo Edessa"/>
+        <a:font script="Syre" typeface="Estrangelo Edessa"/>
+        <a:font script="Sora" typeface="Nirmala UI"/>
+        <a:font script="Tale" typeface="Microsoft Tai Le"/>
+        <a:font script="Talu" typeface="Microsoft New Tai Lue"/>
+        <a:font script="Tfng" typeface="Ebrima"/>
+      </a:minorFont>
+    </a:fontScheme>
+    <a:fmtScheme name="Office">
+      <a:fillStyleLst>
+        <a:solidFill>
+          <a:schemeClr val="phClr"/>
+        </a:solidFill>
+        <a:gradFill rotWithShape="1">
+          <a:gsLst>
+            <a:gs pos="0">
+              <a:schemeClr val="phClr">
+                <a:lumMod val="110000"/>
+                <a:satMod val="105000"/>
+                <a:tint val="67000"/>
+              </a:schemeClr>
+            </a:gs>
+            <a:gs pos="50000">
+              <a:schemeClr val="phClr">
+                <a:lumMod val="105000"/>
+                <a:satMod val="103000"/>
+                <a:tint val="73000"/>
+              </a:schemeClr>
+            </a:gs>
+            <a:gs pos="100000">
+              <a:schemeClr val="phClr">
+                <a:lumMod val="105000"/>
+                <a:satMod val="109000"/>
+                <a:tint val="81000"/>
+              </a:schemeClr>
+            </a:gs>
+          </a:gsLst>
+          <a:lin ang="5400000" scaled="0"/>
+        </a:gradFill>
+        <a:gradFill rotWithShape="1">
+          <a:gsLst>
+            <a:gs pos="0">
+              <a:schemeClr val="phClr">
+                <a:satMod val="103000"/>
+                <a:lumMod val="102000"/>
+                <a:tint val="94000"/>
+              </a:schemeClr>
+            </a:gs>
+            <a:gs pos="50000">
+              <a:schemeClr val="phClr">
+                <a:satMod val="110000"/>
+                <a:lumMod val="100000"/>
+                <a:shade val="100000"/>
+              </a:schemeClr>
+            </a:gs>
+            <a:gs pos="100000">
+              <a:schemeClr val="phClr">
+                <a:lumMod val="99000"/>
+                <a:satMod val="120000"/>
+                <a:shade val="78000"/>
+              </a:schemeClr>
+            </a:gs>
+          </a:gsLst>
+          <a:lin ang="5400000" scaled="0"/>
+        </a:gradFill>
+      </a:fillStyleLst>
+      <a:lnStyleLst>
+        <a:ln w="6350" cap="flat" cmpd="sng" algn="ctr">
+          <a:solidFill>
+            <a:schemeClr val="phClr"/>
+          </a:solidFill>
+          <a:prstDash val="solid"/>
+          <a:miter lim="800000"/>
+        </a:ln>
+        <a:ln w="12700" cap="flat" cmpd="sng" algn="ctr">
+          <a:solidFill>
+            <a:schemeClr val="phClr"/>
+          </a:solidFill>
+          <a:prstDash val="solid"/>
+          <a:miter lim="800000"/>
+        </a:ln>
+        <a:ln w="19050" cap="flat" cmpd="sng" algn="ctr">
+          <a:solidFill>
+            <a:schemeClr val="phClr"/>
+          </a:solidFill>
+          <a:prstDash val="solid"/>
+          <a:miter lim="800000"/>
+        </a:ln>
+      </a:lnStyleLst>
+      <a:effectStyleLst>
+        <a:effectStyle>
+          <a:effectLst/>
+        </a:effectStyle>
+        <a:effectStyle>
+          <a:effectLst/>
+        </a:effectStyle>
+        <a:effectStyle>
+          <a:effectLst>
+            <a:outerShdw blurRad="57150" dist="19050" dir="5400000" algn="ctr" rotWithShape="0">
+              <a:srgbClr val="000000">
+                <a:alpha val="63000"/>
+              </a:srgbClr>
+            </a:outerShdw>
+          </a:effectLst>
+        </a:effectStyle>
+      </a:effectStyleLst>
+      <a:bgFillStyleLst>
+        <a:solidFill>
+          <a:schemeClr val="phClr"/>
+        </a:solidFill>
+        <a:solidFill>
+          <a:schemeClr val="phClr">
+            <a:tint val="95000"/>
+            <a:satMod val="170000"/>
+          </a:schemeClr>
+        </a:solidFill>
+        <a:gradFill rotWithShape="1">
+          <a:gsLst>
+            <a:gs pos="0">
+              <a:schemeClr val="phClr">
+                <a:tint val="93000"/>
+                <a:satMod val="150000"/>
+                <a:shade val="98000"/>
+                <a:lumMod val="102000"/>
+              </a:schemeClr>
+            </a:gs>
+            <a:gs pos="50000">
+              <a:schemeClr val="phClr">
+                <a:tint val="98000"/>
+                <a:satMod val="130000"/>
+                <a:shade val="90000"/>
+                <a:lumMod val="103000"/>
+              </a:schemeClr>
+            </a:gs>
+            <a:gs pos="100000">
+              <a:schemeClr val="phClr">
+                <a:shade val="63000"/>
+                <a:satMod val="120000"/>
+              </a:schemeClr>
+            </a:gs>
+          </a:gsLst>
+          <a:lin ang="5400000" scaled="0"/>
+        </a:gradFill>
+      </a:bgFillStyleLst>
+    </a:fmtScheme>
+  </a:themeElements>
+  <a:objectDefaults/>
+  <a:extraClrSchemeLst/>
+  <a:extLst>
+    <a:ext uri="{05A4C25C-085E-4340-85A3-A5531E510DB2}">
+      <thm15:themeFamily xmlns:thm15="http://schemas.microsoft.com/office/thememl/2012/main" name="Office Theme" id="{62F939B6-93AF-4DB8-9C6B-D6C7DFDC589F}" vid="{4A3C46E8-61CC-4603-A589-7422A47A8E4A}"/>
+    </a:ext>
+  </a:extLst>
+</a:theme>
 </file>
--- a/munkamenet.pptx
+++ b/munkamenet.pptx
@@ -5,16 +5,17 @@
     <p:sldMasterId id="2147483648" r:id="rId1"/>
   </p:sldMasterIdLst>
   <p:notesMasterIdLst>
-    <p:notesMasterId r:id="rId9"/>
+    <p:notesMasterId r:id="rId10"/>
   </p:notesMasterIdLst>
   <p:sldIdLst>
     <p:sldId id="256" r:id="rId2"/>
     <p:sldId id="257" r:id="rId3"/>
-    <p:sldId id="258" r:id="rId4"/>
-    <p:sldId id="259" r:id="rId5"/>
-    <p:sldId id="260" r:id="rId6"/>
-    <p:sldId id="261" r:id="rId7"/>
-    <p:sldId id="262" r:id="rId8"/>
+    <p:sldId id="263" r:id="rId4"/>
+    <p:sldId id="258" r:id="rId5"/>
+    <p:sldId id="259" r:id="rId6"/>
+    <p:sldId id="260" r:id="rId7"/>
+    <p:sldId id="261" r:id="rId8"/>
+    <p:sldId id="262" r:id="rId9"/>
   </p:sldIdLst>
   <p:sldSz cx="12192000" cy="6858000"/>
   <p:notesSz cx="6858000" cy="9144000"/>
@@ -535,7 +536,7 @@
           <a:p>
             <a:fld id="{B6EF78DA-15D2-4A9B-8151-BB7442DCCC7B}" type="slidenum">
               <a:rPr lang="hu-HU" smtClean="0"/>
-              <a:t>7</a:t>
+              <a:t>8</a:t>
             </a:fld>
             <a:endParaRPr lang="hu-HU"/>
           </a:p>
@@ -3947,6 +3948,9 @@
   <p:clrMapOvr>
     <a:masterClrMapping/>
   </p:clrMapOvr>
+  <p:transition spd="slow">
+    <p:randomBar dir="vert"/>
+  </p:transition>
 </p:sld>
 </file>
 
@@ -4708,6 +4712,9 @@
   <p:clrMapOvr>
     <a:masterClrMapping/>
   </p:clrMapOvr>
+  <p:transition spd="slow">
+    <p:randomBar dir="vert"/>
+  </p:transition>
   <p:timing>
     <p:tnLst>
       <p:par>
@@ -5605,28 +5612,26 @@
           <p:cNvPr id="2" name="Cím 1">
             <a:extLst>
               <a:ext uri="{FF2B5EF4-FFF2-40B4-BE49-F238E27FC236}">
-                <a16:creationId xmlns:a16="http://schemas.microsoft.com/office/drawing/2014/main" id="{B9C3BCDE-9991-FA99-3E6A-934EAD353FFE}"/>
-              </a:ext>
-            </a:extLst>
-          </p:cNvPr>
-          <p:cNvSpPr>
-            <a:spLocks noGrp="1"/>
-          </p:cNvSpPr>
-          <p:nvPr>
-            <p:ph type="title"/>
+                <a16:creationId xmlns:a16="http://schemas.microsoft.com/office/drawing/2014/main" id="{28DBC053-7903-6F7A-5D7B-23DE3A50FD5E}"/>
+              </a:ext>
+            </a:extLst>
+          </p:cNvPr>
+          <p:cNvSpPr>
+            <a:spLocks noGrp="1"/>
+          </p:cNvSpPr>
+          <p:nvPr>
+            <p:ph type="ctrTitle"/>
           </p:nvPr>
         </p:nvSpPr>
         <p:spPr/>
         <p:txBody>
-          <a:bodyPr/>
-          <a:lstStyle/>
-          <a:p>
-            <a:r>
-              <a:rPr lang="hu-HU" dirty="0"/>
-              <a:t>HTML, CSS                                      </a:t>
-            </a:r>
-            <a:r>
-              <a:rPr lang="hu-HU" sz="2400" b="1" i="1" dirty="0">
+          <a:bodyPr>
+            <a:normAutofit fontScale="90000"/>
+          </a:bodyPr>
+          <a:lstStyle/>
+          <a:p>
+            <a:r>
+              <a:rPr lang="hu-HU" b="1" i="1" dirty="0">
                 <a:effectLst>
                   <a:outerShdw blurRad="38100" dist="38100" dir="2700000" algn="tl">
                     <a:srgbClr val="000000">
@@ -5635,215 +5640,108 @@
                   </a:outerShdw>
                 </a:effectLst>
               </a:rPr>
-              <a:t>H. Bence Dolgozott vele</a:t>
-            </a:r>
-            <a:endParaRPr lang="hu-HU" b="1" i="1" dirty="0">
-              <a:effectLst>
-                <a:outerShdw blurRad="38100" dist="38100" dir="2700000" algn="tl">
-                  <a:srgbClr val="000000">
-                    <a:alpha val="43137"/>
-                  </a:srgbClr>
-                </a:outerShdw>
-              </a:effectLst>
-            </a:endParaRPr>
+              <a:t>Aki csodálkozni szeretne eme remek kódókba az keresse meg a GitHubon</a:t>
+            </a:r>
+          </a:p>
+        </p:txBody>
+      </p:sp>
+      <p:sp>
+        <p:nvSpPr>
+          <p:cNvPr id="3" name="Alcím 2">
+            <a:extLst>
+              <a:ext uri="{FF2B5EF4-FFF2-40B4-BE49-F238E27FC236}">
+                <a16:creationId xmlns:a16="http://schemas.microsoft.com/office/drawing/2014/main" id="{D46A353F-6079-5E9D-B332-77AECEBD18FE}"/>
+              </a:ext>
+            </a:extLst>
+          </p:cNvPr>
+          <p:cNvSpPr>
+            <a:spLocks noGrp="1"/>
+          </p:cNvSpPr>
+          <p:nvPr>
+            <p:ph type="subTitle" idx="1"/>
+          </p:nvPr>
+        </p:nvSpPr>
+        <p:spPr/>
+        <p:txBody>
+          <a:bodyPr/>
+          <a:lstStyle/>
+          <a:p>
+            <a:r>
+              <a:rPr lang="hu-HU" dirty="0" err="1">
+                <a:hlinkClick r:id="rId2"/>
+              </a:rPr>
+              <a:t>Githubot</a:t>
+            </a:r>
+            <a:r>
+              <a:rPr lang="hu-HU" dirty="0">
+                <a:hlinkClick r:id="rId2"/>
+              </a:rPr>
+              <a:t> itt találod meg</a:t>
+            </a:r>
+            <a:endParaRPr lang="hu-HU" dirty="0"/>
           </a:p>
         </p:txBody>
       </p:sp>
       <p:pic>
         <p:nvPicPr>
-          <p:cNvPr id="5" name="Kép 4">
-            <a:extLst>
-              <a:ext uri="{FF2B5EF4-FFF2-40B4-BE49-F238E27FC236}">
-                <a16:creationId xmlns:a16="http://schemas.microsoft.com/office/drawing/2014/main" id="{4ED11D77-EBCA-D5A6-E5EE-C85862A9C82D}"/>
+          <p:cNvPr id="1026" name="Picture 2" descr="GitHub logo and symbol, meaning, history, PNG">
+            <a:extLst>
+              <a:ext uri="{FF2B5EF4-FFF2-40B4-BE49-F238E27FC236}">
+                <a16:creationId xmlns:a16="http://schemas.microsoft.com/office/drawing/2014/main" id="{4511DA19-7818-48B5-45CD-7F8EAD1DC577}"/>
               </a:ext>
             </a:extLst>
           </p:cNvPr>
           <p:cNvPicPr>
-            <a:picLocks noChangeAspect="1"/>
+            <a:picLocks noChangeAspect="1" noChangeArrowheads="1"/>
           </p:cNvPicPr>
           <p:nvPr/>
         </p:nvPicPr>
         <p:blipFill>
-          <a:blip r:embed="rId2"/>
+          <a:blip r:embed="rId3">
+            <a:extLst>
+              <a:ext uri="{28A0092B-C50C-407E-A947-70E740481C1C}">
+                <a14:useLocalDpi xmlns:a14="http://schemas.microsoft.com/office/drawing/2010/main" val="0"/>
+              </a:ext>
+            </a:extLst>
+          </a:blip>
+          <a:srcRect/>
           <a:stretch>
             <a:fillRect/>
           </a:stretch>
         </p:blipFill>
-        <p:spPr>
+        <p:spPr bwMode="auto">
           <a:xfrm>
-            <a:off x="310542" y="2539779"/>
-            <a:ext cx="5785458" cy="4136301"/>
-          </a:xfrm>
-          <a:prstGeom prst="rect">
-            <a:avLst/>
-          </a:prstGeom>
-        </p:spPr>
-      </p:pic>
-      <p:sp>
-        <p:nvSpPr>
-          <p:cNvPr id="10" name="Tartalom helye 9">
-            <a:extLst>
-              <a:ext uri="{FF2B5EF4-FFF2-40B4-BE49-F238E27FC236}">
-                <a16:creationId xmlns:a16="http://schemas.microsoft.com/office/drawing/2014/main" id="{2E6871FB-0F95-3020-4876-F722879E8B25}"/>
-              </a:ext>
-            </a:extLst>
-          </p:cNvPr>
-          <p:cNvSpPr>
-            <a:spLocks noGrp="1"/>
-          </p:cNvSpPr>
-          <p:nvPr>
-            <p:ph idx="1"/>
-          </p:nvPr>
-        </p:nvSpPr>
-        <p:spPr/>
-        <p:txBody>
-          <a:bodyPr/>
-          <a:lstStyle/>
-          <a:p>
-            <a:endParaRPr lang="hu-HU" dirty="0"/>
-          </a:p>
-        </p:txBody>
-      </p:sp>
-      <p:pic>
-        <p:nvPicPr>
-          <p:cNvPr id="12" name="Kép 11">
-            <a:extLst>
-              <a:ext uri="{FF2B5EF4-FFF2-40B4-BE49-F238E27FC236}">
-                <a16:creationId xmlns:a16="http://schemas.microsoft.com/office/drawing/2014/main" id="{7A982183-A95C-FBEE-35A8-77B129D27FA5}"/>
-              </a:ext>
-            </a:extLst>
-          </p:cNvPr>
-          <p:cNvPicPr>
-            <a:picLocks noChangeAspect="1"/>
-          </p:cNvPicPr>
-          <p:nvPr/>
-        </p:nvPicPr>
-        <p:blipFill>
-          <a:blip r:embed="rId3"/>
-          <a:stretch>
-            <a:fillRect/>
-          </a:stretch>
-        </p:blipFill>
-        <p:spPr>
-          <a:xfrm>
-            <a:off x="7697518" y="2170225"/>
-            <a:ext cx="3133627" cy="4508998"/>
-          </a:xfrm>
-          <a:prstGeom prst="rect">
-            <a:avLst/>
-          </a:prstGeom>
-        </p:spPr>
-      </p:pic>
-      <p:sp>
-        <p:nvSpPr>
-          <p:cNvPr id="13" name="Szövegdoboz 12">
-            <a:extLst>
-              <a:ext uri="{FF2B5EF4-FFF2-40B4-BE49-F238E27FC236}">
-                <a16:creationId xmlns:a16="http://schemas.microsoft.com/office/drawing/2014/main" id="{9B3DFF2A-83EC-0B5E-71A9-040034FAA1CF}"/>
-              </a:ext>
-            </a:extLst>
-          </p:cNvPr>
-          <p:cNvSpPr txBox="1"/>
-          <p:nvPr/>
-        </p:nvSpPr>
-        <p:spPr>
-          <a:xfrm>
-            <a:off x="555171" y="1436914"/>
-            <a:ext cx="10798629" cy="369332"/>
+            <a:off x="0" y="2884147"/>
+            <a:ext cx="5496076" cy="3091543"/>
           </a:xfrm>
           <a:prstGeom prst="rect">
             <a:avLst/>
           </a:prstGeom>
           <a:noFill/>
-        </p:spPr>
-        <p:txBody>
-          <a:bodyPr wrap="square" rtlCol="0">
-            <a:spAutoFit/>
-          </a:bodyPr>
-          <a:lstStyle/>
-          <a:p>
-            <a:r>
-              <a:rPr lang="hu-HU" dirty="0"/>
-              <a:t>Kód Része:                                                                                                                                    Kinézet:</a:t>
-            </a:r>
-          </a:p>
-        </p:txBody>
-      </p:sp>
-      <p:pic>
-        <p:nvPicPr>
-          <p:cNvPr id="15" name="Kép 14">
-            <a:extLst>
-              <a:ext uri="{FF2B5EF4-FFF2-40B4-BE49-F238E27FC236}">
-                <a16:creationId xmlns:a16="http://schemas.microsoft.com/office/drawing/2014/main" id="{C102CCD1-ECDF-55D8-5DE2-DB7062F37F3A}"/>
-              </a:ext>
-            </a:extLst>
-          </p:cNvPr>
-          <p:cNvPicPr>
-            <a:picLocks noChangeAspect="1"/>
-          </p:cNvPicPr>
-          <p:nvPr/>
-        </p:nvPicPr>
-        <p:blipFill>
-          <a:blip r:embed="rId4"/>
-          <a:stretch>
-            <a:fillRect/>
-          </a:stretch>
-        </p:blipFill>
-        <p:spPr>
-          <a:xfrm>
-            <a:off x="4691329" y="138377"/>
-            <a:ext cx="2362614" cy="2193251"/>
-          </a:xfrm>
-          <a:prstGeom prst="rect">
-            <a:avLst/>
-          </a:prstGeom>
+          <a:extLst>
+            <a:ext uri="{909E8E84-426E-40DD-AFC4-6F175D3DCCD1}">
+              <a14:hiddenFill xmlns:a14="http://schemas.microsoft.com/office/drawing/2010/main">
+                <a:solidFill>
+                  <a:srgbClr val="FFFFFF"/>
+                </a:solidFill>
+              </a14:hiddenFill>
+            </a:ext>
+          </a:extLst>
         </p:spPr>
       </p:pic>
-      <p:sp>
-        <p:nvSpPr>
-          <p:cNvPr id="16" name="Szövegdoboz 15">
-            <a:extLst>
-              <a:ext uri="{FF2B5EF4-FFF2-40B4-BE49-F238E27FC236}">
-                <a16:creationId xmlns:a16="http://schemas.microsoft.com/office/drawing/2014/main" id="{85615061-2BC5-350C-E21A-8D5975FD35DF}"/>
-              </a:ext>
-            </a:extLst>
-          </p:cNvPr>
-          <p:cNvSpPr txBox="1"/>
-          <p:nvPr/>
-        </p:nvSpPr>
-        <p:spPr>
-          <a:xfrm>
-            <a:off x="3460377" y="36450"/>
-            <a:ext cx="2752165" cy="369332"/>
-          </a:xfrm>
-          <a:prstGeom prst="rect">
-            <a:avLst/>
-          </a:prstGeom>
-          <a:noFill/>
-        </p:spPr>
-        <p:txBody>
-          <a:bodyPr wrap="square" rtlCol="0">
-            <a:spAutoFit/>
-          </a:bodyPr>
-          <a:lstStyle/>
-          <a:p>
-            <a:r>
-              <a:rPr lang="hu-HU" dirty="0"/>
-              <a:t>CSS Kódja:</a:t>
-            </a:r>
-          </a:p>
-        </p:txBody>
-      </p:sp>
     </p:spTree>
     <p:extLst>
       <p:ext uri="{BB962C8B-B14F-4D97-AF65-F5344CB8AC3E}">
-        <p14:creationId xmlns:p14="http://schemas.microsoft.com/office/powerpoint/2010/main" val="2291531906"/>
+        <p14:creationId xmlns:p14="http://schemas.microsoft.com/office/powerpoint/2010/main" val="3641268303"/>
       </p:ext>
     </p:extLst>
   </p:cSld>
   <p:clrMapOvr>
     <a:masterClrMapping/>
   </p:clrMapOvr>
+  <p:transition spd="slow">
+    <p:randomBar dir="vert"/>
+  </p:transition>
 </p:sld>
 </file>
 
@@ -5869,7 +5767,7 @@
           <p:cNvPr id="2" name="Cím 1">
             <a:extLst>
               <a:ext uri="{FF2B5EF4-FFF2-40B4-BE49-F238E27FC236}">
-                <a16:creationId xmlns:a16="http://schemas.microsoft.com/office/drawing/2014/main" id="{17CE904E-67E7-9491-F2B0-FD258ABBCA4F}"/>
+                <a16:creationId xmlns:a16="http://schemas.microsoft.com/office/drawing/2014/main" id="{B9C3BCDE-9991-FA99-3E6A-934EAD353FFE}"/>
               </a:ext>
             </a:extLst>
           </p:cNvPr>
@@ -5886,15 +5784,11 @@
           <a:lstStyle/>
           <a:p>
             <a:r>
-              <a:rPr lang="hu-HU"/>
-              <a:t>JavaScript</a:t>
-            </a:r>
-            <a:r>
-              <a:rPr lang="hu-HU" sz="2400"/>
-              <a:t>                                                                             </a:t>
-            </a:r>
-            <a:r>
-              <a:rPr lang="hu-HU" sz="2400" b="1" i="1">
+              <a:rPr lang="hu-HU" dirty="0"/>
+              <a:t>HTML, CSS                                      </a:t>
+            </a:r>
+            <a:r>
+              <a:rPr lang="hu-HU" sz="2400" b="1" i="1" dirty="0">
                 <a:effectLst>
                   <a:outerShdw blurRad="38100" dist="38100" dir="2700000" algn="tl">
                     <a:srgbClr val="000000">
@@ -5905,25 +5799,56 @@
               </a:rPr>
               <a:t>H. Bence Dolgozott vele</a:t>
             </a:r>
+            <a:endParaRPr lang="hu-HU" b="1" i="1" dirty="0">
+              <a:effectLst>
+                <a:outerShdw blurRad="38100" dist="38100" dir="2700000" algn="tl">
+                  <a:srgbClr val="000000">
+                    <a:alpha val="43137"/>
+                  </a:srgbClr>
+                </a:outerShdw>
+              </a:effectLst>
+            </a:endParaRPr>
+          </a:p>
+        </p:txBody>
+      </p:sp>
+      <p:sp>
+        <p:nvSpPr>
+          <p:cNvPr id="10" name="Tartalom helye 9">
+            <a:extLst>
+              <a:ext uri="{FF2B5EF4-FFF2-40B4-BE49-F238E27FC236}">
+                <a16:creationId xmlns:a16="http://schemas.microsoft.com/office/drawing/2014/main" id="{2E6871FB-0F95-3020-4876-F722879E8B25}"/>
+              </a:ext>
+            </a:extLst>
+          </p:cNvPr>
+          <p:cNvSpPr>
+            <a:spLocks noGrp="1"/>
+          </p:cNvSpPr>
+          <p:nvPr>
+            <p:ph idx="1"/>
+          </p:nvPr>
+        </p:nvSpPr>
+        <p:spPr/>
+        <p:txBody>
+          <a:bodyPr/>
+          <a:lstStyle/>
+          <a:p>
             <a:endParaRPr lang="hu-HU" dirty="0"/>
           </a:p>
         </p:txBody>
       </p:sp>
       <p:pic>
         <p:nvPicPr>
-          <p:cNvPr id="5" name="Tartalom helye 4">
-            <a:extLst>
-              <a:ext uri="{FF2B5EF4-FFF2-40B4-BE49-F238E27FC236}">
-                <a16:creationId xmlns:a16="http://schemas.microsoft.com/office/drawing/2014/main" id="{1424BE6C-2204-98CC-837A-9A7996B7BE2B}"/>
+          <p:cNvPr id="12" name="Kép 11">
+            <a:extLst>
+              <a:ext uri="{FF2B5EF4-FFF2-40B4-BE49-F238E27FC236}">
+                <a16:creationId xmlns:a16="http://schemas.microsoft.com/office/drawing/2014/main" id="{7A982183-A95C-FBEE-35A8-77B129D27FA5}"/>
               </a:ext>
             </a:extLst>
           </p:cNvPr>
           <p:cNvPicPr>
-            <a:picLocks noGrp="1" noChangeAspect="1"/>
+            <a:picLocks noChangeAspect="1"/>
           </p:cNvPicPr>
-          <p:nvPr>
-            <p:ph idx="1"/>
-          </p:nvPr>
+          <p:nvPr/>
         </p:nvPicPr>
         <p:blipFill>
           <a:blip r:embed="rId2"/>
@@ -5933,21 +5858,157 @@
         </p:blipFill>
         <p:spPr>
           <a:xfrm>
-            <a:off x="1323918" y="1339270"/>
-            <a:ext cx="6762247" cy="5088424"/>
+            <a:off x="7697518" y="2170225"/>
+            <a:ext cx="3133627" cy="4508998"/>
           </a:xfrm>
+          <a:prstGeom prst="rect">
+            <a:avLst/>
+          </a:prstGeom>
+        </p:spPr>
+      </p:pic>
+      <p:sp>
+        <p:nvSpPr>
+          <p:cNvPr id="13" name="Szövegdoboz 12">
+            <a:extLst>
+              <a:ext uri="{FF2B5EF4-FFF2-40B4-BE49-F238E27FC236}">
+                <a16:creationId xmlns:a16="http://schemas.microsoft.com/office/drawing/2014/main" id="{9B3DFF2A-83EC-0B5E-71A9-040034FAA1CF}"/>
+              </a:ext>
+            </a:extLst>
+          </p:cNvPr>
+          <p:cNvSpPr txBox="1"/>
+          <p:nvPr/>
+        </p:nvSpPr>
+        <p:spPr>
+          <a:xfrm>
+            <a:off x="555171" y="1436914"/>
+            <a:ext cx="10798629" cy="369332"/>
+          </a:xfrm>
+          <a:prstGeom prst="rect">
+            <a:avLst/>
+          </a:prstGeom>
+          <a:noFill/>
+        </p:spPr>
+        <p:txBody>
+          <a:bodyPr wrap="square" rtlCol="0">
+            <a:spAutoFit/>
+          </a:bodyPr>
+          <a:lstStyle/>
+          <a:p>
+            <a:r>
+              <a:rPr lang="hu-HU" dirty="0"/>
+              <a:t>Kód Része:                                                                                                                                    Kinézet:</a:t>
+            </a:r>
+          </a:p>
+        </p:txBody>
+      </p:sp>
+      <p:pic>
+        <p:nvPicPr>
+          <p:cNvPr id="15" name="Kép 14">
+            <a:extLst>
+              <a:ext uri="{FF2B5EF4-FFF2-40B4-BE49-F238E27FC236}">
+                <a16:creationId xmlns:a16="http://schemas.microsoft.com/office/drawing/2014/main" id="{C102CCD1-ECDF-55D8-5DE2-DB7062F37F3A}"/>
+              </a:ext>
+            </a:extLst>
+          </p:cNvPr>
+          <p:cNvPicPr>
+            <a:picLocks noChangeAspect="1"/>
+          </p:cNvPicPr>
+          <p:nvPr/>
+        </p:nvPicPr>
+        <p:blipFill>
+          <a:blip r:embed="rId3"/>
+          <a:stretch>
+            <a:fillRect/>
+          </a:stretch>
+        </p:blipFill>
+        <p:spPr>
+          <a:xfrm>
+            <a:off x="4691329" y="138377"/>
+            <a:ext cx="2362614" cy="2193251"/>
+          </a:xfrm>
+          <a:prstGeom prst="rect">
+            <a:avLst/>
+          </a:prstGeom>
+        </p:spPr>
+      </p:pic>
+      <p:sp>
+        <p:nvSpPr>
+          <p:cNvPr id="16" name="Szövegdoboz 15">
+            <a:extLst>
+              <a:ext uri="{FF2B5EF4-FFF2-40B4-BE49-F238E27FC236}">
+                <a16:creationId xmlns:a16="http://schemas.microsoft.com/office/drawing/2014/main" id="{85615061-2BC5-350C-E21A-8D5975FD35DF}"/>
+              </a:ext>
+            </a:extLst>
+          </p:cNvPr>
+          <p:cNvSpPr txBox="1"/>
+          <p:nvPr/>
+        </p:nvSpPr>
+        <p:spPr>
+          <a:xfrm>
+            <a:off x="3460377" y="36450"/>
+            <a:ext cx="2752165" cy="369332"/>
+          </a:xfrm>
+          <a:prstGeom prst="rect">
+            <a:avLst/>
+          </a:prstGeom>
+          <a:noFill/>
+        </p:spPr>
+        <p:txBody>
+          <a:bodyPr wrap="square" rtlCol="0">
+            <a:spAutoFit/>
+          </a:bodyPr>
+          <a:lstStyle/>
+          <a:p>
+            <a:r>
+              <a:rPr lang="hu-HU" dirty="0"/>
+              <a:t>CSS Kódja:</a:t>
+            </a:r>
+          </a:p>
+        </p:txBody>
+      </p:sp>
+      <p:pic>
+        <p:nvPicPr>
+          <p:cNvPr id="4" name="Kép 3">
+            <a:extLst>
+              <a:ext uri="{FF2B5EF4-FFF2-40B4-BE49-F238E27FC236}">
+                <a16:creationId xmlns:a16="http://schemas.microsoft.com/office/drawing/2014/main" id="{91DD4B5C-5098-ED00-2AA3-5AE992038555}"/>
+              </a:ext>
+            </a:extLst>
+          </p:cNvPr>
+          <p:cNvPicPr>
+            <a:picLocks noChangeAspect="1"/>
+          </p:cNvPicPr>
+          <p:nvPr/>
+        </p:nvPicPr>
+        <p:blipFill>
+          <a:blip r:embed="rId4"/>
+          <a:stretch>
+            <a:fillRect/>
+          </a:stretch>
+        </p:blipFill>
+        <p:spPr>
+          <a:xfrm>
+            <a:off x="412377" y="2433555"/>
+            <a:ext cx="6096000" cy="4215925"/>
+          </a:xfrm>
+          <a:prstGeom prst="rect">
+            <a:avLst/>
+          </a:prstGeom>
         </p:spPr>
       </p:pic>
     </p:spTree>
     <p:extLst>
       <p:ext uri="{BB962C8B-B14F-4D97-AF65-F5344CB8AC3E}">
-        <p14:creationId xmlns:p14="http://schemas.microsoft.com/office/powerpoint/2010/main" val="2364934093"/>
+        <p14:creationId xmlns:p14="http://schemas.microsoft.com/office/powerpoint/2010/main" val="2291531906"/>
       </p:ext>
     </p:extLst>
   </p:cSld>
   <p:clrMapOvr>
     <a:masterClrMapping/>
   </p:clrMapOvr>
+  <p:transition spd="slow">
+    <p:randomBar dir="vert"/>
+  </p:transition>
 </p:sld>
 </file>
 
@@ -5973,7 +6034,7 @@
           <p:cNvPr id="2" name="Cím 1">
             <a:extLst>
               <a:ext uri="{FF2B5EF4-FFF2-40B4-BE49-F238E27FC236}">
-                <a16:creationId xmlns:a16="http://schemas.microsoft.com/office/drawing/2014/main" id="{266CE3D0-257A-ADD1-3A8A-56957C2487A1}"/>
+                <a16:creationId xmlns:a16="http://schemas.microsoft.com/office/drawing/2014/main" id="{17CE904E-67E7-9491-F2B0-FD258ABBCA4F}"/>
               </a:ext>
             </a:extLst>
           </p:cNvPr>
@@ -5990,11 +6051,15 @@
           <a:lstStyle/>
           <a:p>
             <a:r>
-              <a:rPr lang="hu-HU" dirty="0"/>
-              <a:t>Folyamatábra                                           </a:t>
-            </a:r>
-            <a:r>
-              <a:rPr lang="hu-HU" sz="2400" b="1" i="1" dirty="0">
+              <a:rPr lang="hu-HU"/>
+              <a:t>JavaScript</a:t>
+            </a:r>
+            <a:r>
+              <a:rPr lang="hu-HU" sz="2400"/>
+              <a:t>                                                                             </a:t>
+            </a:r>
+            <a:r>
+              <a:rPr lang="hu-HU" sz="2400" b="1" i="1">
                 <a:effectLst>
                   <a:outerShdw blurRad="38100" dist="38100" dir="2700000" algn="tl">
                     <a:srgbClr val="000000">
@@ -6003,127 +6068,80 @@
                   </a:outerShdw>
                 </a:effectLst>
               </a:rPr>
-              <a:t>Közös készítés</a:t>
-            </a:r>
+              <a:t>H. Bence Dolgozott vele</a:t>
+            </a:r>
+            <a:endParaRPr lang="hu-HU" dirty="0"/>
+          </a:p>
+        </p:txBody>
+      </p:sp>
+      <p:sp>
+        <p:nvSpPr>
+          <p:cNvPr id="4" name="Tartalom helye 3">
+            <a:extLst>
+              <a:ext uri="{FF2B5EF4-FFF2-40B4-BE49-F238E27FC236}">
+                <a16:creationId xmlns:a16="http://schemas.microsoft.com/office/drawing/2014/main" id="{28FA8999-3ED1-7FD9-00E6-0F31B255CFD5}"/>
+              </a:ext>
+            </a:extLst>
+          </p:cNvPr>
+          <p:cNvSpPr>
+            <a:spLocks noGrp="1"/>
+          </p:cNvSpPr>
+          <p:nvPr>
+            <p:ph idx="1"/>
+          </p:nvPr>
+        </p:nvSpPr>
+        <p:spPr/>
+        <p:txBody>
+          <a:bodyPr/>
+          <a:lstStyle/>
+          <a:p>
+            <a:endParaRPr lang="hu-HU"/>
           </a:p>
         </p:txBody>
       </p:sp>
       <p:pic>
         <p:nvPicPr>
-          <p:cNvPr id="9" name="Tartalom helye 8">
-            <a:extLst>
-              <a:ext uri="{FF2B5EF4-FFF2-40B4-BE49-F238E27FC236}">
-                <a16:creationId xmlns:a16="http://schemas.microsoft.com/office/drawing/2014/main" id="{3D53612D-411A-0F58-E375-56D59A73D441}"/>
+          <p:cNvPr id="8" name="Kép 7">
+            <a:extLst>
+              <a:ext uri="{FF2B5EF4-FFF2-40B4-BE49-F238E27FC236}">
+                <a16:creationId xmlns:a16="http://schemas.microsoft.com/office/drawing/2014/main" id="{6C768CB4-F521-AC4A-3625-052640A4B36A}"/>
               </a:ext>
             </a:extLst>
           </p:cNvPr>
           <p:cNvPicPr>
-            <a:picLocks noGrp="1" noChangeAspect="1"/>
+            <a:picLocks noChangeAspect="1"/>
           </p:cNvPicPr>
-          <p:nvPr>
-            <p:ph idx="1"/>
-          </p:nvPr>
+          <p:nvPr/>
         </p:nvPicPr>
         <p:blipFill>
-          <a:blip r:embed="rId2">
-            <a:extLst>
-              <a:ext uri="{28A0092B-C50C-407E-A947-70E740481C1C}">
-                <a14:useLocalDpi xmlns:a14="http://schemas.microsoft.com/office/drawing/2010/main" val="0"/>
-              </a:ext>
-            </a:extLst>
-          </a:blip>
+          <a:blip r:embed="rId2"/>
           <a:stretch>
             <a:fillRect/>
           </a:stretch>
         </p:blipFill>
         <p:spPr>
           <a:xfrm>
-            <a:off x="4563367" y="365125"/>
-            <a:ext cx="2662293" cy="6191803"/>
-          </a:xfrm>
-        </p:spPr>
-      </p:pic>
-      <p:sp>
-        <p:nvSpPr>
-          <p:cNvPr id="10" name="Szövegdoboz 9">
-            <a:extLst>
-              <a:ext uri="{FF2B5EF4-FFF2-40B4-BE49-F238E27FC236}">
-                <a16:creationId xmlns:a16="http://schemas.microsoft.com/office/drawing/2014/main" id="{449A2D61-6AA9-D64D-A4EE-6F6618983065}"/>
-              </a:ext>
-            </a:extLst>
-          </p:cNvPr>
-          <p:cNvSpPr txBox="1"/>
-          <p:nvPr/>
-        </p:nvSpPr>
-        <p:spPr>
-          <a:xfrm>
-            <a:off x="464457" y="1930400"/>
-            <a:ext cx="3439886" cy="1754326"/>
+            <a:off x="838200" y="1627386"/>
+            <a:ext cx="6672943" cy="5014738"/>
           </a:xfrm>
           <a:prstGeom prst="rect">
             <a:avLst/>
           </a:prstGeom>
-          <a:noFill/>
         </p:spPr>
-        <p:txBody>
-          <a:bodyPr wrap="square" rtlCol="0">
-            <a:spAutoFit/>
-          </a:bodyPr>
-          <a:lstStyle/>
-          <a:p>
-            <a:r>
-              <a:rPr lang="hu-HU" sz="3600" b="1" i="1" dirty="0">
-                <a:effectLst>
-                  <a:outerShdw blurRad="38100" dist="38100" dir="2700000" algn="tl">
-                    <a:srgbClr val="000000">
-                      <a:alpha val="43137"/>
-                    </a:srgbClr>
-                  </a:outerShdw>
-                </a:effectLst>
-              </a:rPr>
-              <a:t>Nagyobb nézet esetén látogasson el </a:t>
-            </a:r>
-            <a:r>
-              <a:rPr lang="hu-HU" sz="3600" b="1" i="1" dirty="0">
-                <a:effectLst>
-                  <a:outerShdw blurRad="38100" dist="38100" dir="2700000" algn="tl">
-                    <a:srgbClr val="000000">
-                      <a:alpha val="43137"/>
-                    </a:srgbClr>
-                  </a:outerShdw>
-                </a:effectLst>
-                <a:hlinkClick r:id="rId3">
-                  <a:extLst>
-                    <a:ext uri="{A12FA001-AC4F-418D-AE19-62706E023703}">
-                      <ahyp:hlinkClr xmlns:ahyp="http://schemas.microsoft.com/office/drawing/2018/hyperlinkcolor" val="tx"/>
-                    </a:ext>
-                  </a:extLst>
-                </a:hlinkClick>
-              </a:rPr>
-              <a:t>ide</a:t>
-            </a:r>
-            <a:endParaRPr lang="hu-HU" sz="3600" b="1" i="1" dirty="0">
-              <a:effectLst>
-                <a:outerShdw blurRad="38100" dist="38100" dir="2700000" algn="tl">
-                  <a:srgbClr val="000000">
-                    <a:alpha val="43137"/>
-                  </a:srgbClr>
-                </a:outerShdw>
-              </a:effectLst>
-            </a:endParaRPr>
-          </a:p>
-        </p:txBody>
-      </p:sp>
+      </p:pic>
     </p:spTree>
     <p:extLst>
       <p:ext uri="{BB962C8B-B14F-4D97-AF65-F5344CB8AC3E}">
-        <p14:creationId xmlns:p14="http://schemas.microsoft.com/office/powerpoint/2010/main" val="3312206600"/>
+        <p14:creationId xmlns:p14="http://schemas.microsoft.com/office/powerpoint/2010/main" val="2364934093"/>
       </p:ext>
     </p:extLst>
   </p:cSld>
   <p:clrMapOvr>
     <a:masterClrMapping/>
   </p:clrMapOvr>
+  <p:transition spd="slow">
+    <p:randomBar dir="vert"/>
+  </p:transition>
 </p:sld>
 </file>
 
@@ -6149,6 +6167,185 @@
           <p:cNvPr id="2" name="Cím 1">
             <a:extLst>
               <a:ext uri="{FF2B5EF4-FFF2-40B4-BE49-F238E27FC236}">
+                <a16:creationId xmlns:a16="http://schemas.microsoft.com/office/drawing/2014/main" id="{266CE3D0-257A-ADD1-3A8A-56957C2487A1}"/>
+              </a:ext>
+            </a:extLst>
+          </p:cNvPr>
+          <p:cNvSpPr>
+            <a:spLocks noGrp="1"/>
+          </p:cNvSpPr>
+          <p:nvPr>
+            <p:ph type="title"/>
+          </p:nvPr>
+        </p:nvSpPr>
+        <p:spPr/>
+        <p:txBody>
+          <a:bodyPr/>
+          <a:lstStyle/>
+          <a:p>
+            <a:r>
+              <a:rPr lang="hu-HU" dirty="0"/>
+              <a:t>Folyamatábra                                           </a:t>
+            </a:r>
+            <a:r>
+              <a:rPr lang="hu-HU" sz="2400" b="1" i="1" dirty="0">
+                <a:effectLst>
+                  <a:outerShdw blurRad="38100" dist="38100" dir="2700000" algn="tl">
+                    <a:srgbClr val="000000">
+                      <a:alpha val="43137"/>
+                    </a:srgbClr>
+                  </a:outerShdw>
+                </a:effectLst>
+              </a:rPr>
+              <a:t>Közös készítés</a:t>
+            </a:r>
+          </a:p>
+        </p:txBody>
+      </p:sp>
+      <p:pic>
+        <p:nvPicPr>
+          <p:cNvPr id="9" name="Tartalom helye 8">
+            <a:extLst>
+              <a:ext uri="{FF2B5EF4-FFF2-40B4-BE49-F238E27FC236}">
+                <a16:creationId xmlns:a16="http://schemas.microsoft.com/office/drawing/2014/main" id="{3D53612D-411A-0F58-E375-56D59A73D441}"/>
+              </a:ext>
+            </a:extLst>
+          </p:cNvPr>
+          <p:cNvPicPr>
+            <a:picLocks noGrp="1" noChangeAspect="1"/>
+          </p:cNvPicPr>
+          <p:nvPr>
+            <p:ph idx="1"/>
+          </p:nvPr>
+        </p:nvPicPr>
+        <p:blipFill>
+          <a:blip r:embed="rId2">
+            <a:extLst>
+              <a:ext uri="{28A0092B-C50C-407E-A947-70E740481C1C}">
+                <a14:useLocalDpi xmlns:a14="http://schemas.microsoft.com/office/drawing/2010/main" val="0"/>
+              </a:ext>
+            </a:extLst>
+          </a:blip>
+          <a:stretch>
+            <a:fillRect/>
+          </a:stretch>
+        </p:blipFill>
+        <p:spPr>
+          <a:xfrm>
+            <a:off x="4563367" y="365125"/>
+            <a:ext cx="2662293" cy="6191803"/>
+          </a:xfrm>
+        </p:spPr>
+      </p:pic>
+      <p:sp>
+        <p:nvSpPr>
+          <p:cNvPr id="10" name="Szövegdoboz 9">
+            <a:extLst>
+              <a:ext uri="{FF2B5EF4-FFF2-40B4-BE49-F238E27FC236}">
+                <a16:creationId xmlns:a16="http://schemas.microsoft.com/office/drawing/2014/main" id="{449A2D61-6AA9-D64D-A4EE-6F6618983065}"/>
+              </a:ext>
+            </a:extLst>
+          </p:cNvPr>
+          <p:cNvSpPr txBox="1"/>
+          <p:nvPr/>
+        </p:nvSpPr>
+        <p:spPr>
+          <a:xfrm>
+            <a:off x="464457" y="1930400"/>
+            <a:ext cx="3439886" cy="1754326"/>
+          </a:xfrm>
+          <a:prstGeom prst="rect">
+            <a:avLst/>
+          </a:prstGeom>
+          <a:noFill/>
+        </p:spPr>
+        <p:txBody>
+          <a:bodyPr wrap="square" rtlCol="0">
+            <a:spAutoFit/>
+          </a:bodyPr>
+          <a:lstStyle/>
+          <a:p>
+            <a:r>
+              <a:rPr lang="hu-HU" sz="3600" b="1" i="1" dirty="0">
+                <a:effectLst>
+                  <a:outerShdw blurRad="38100" dist="38100" dir="2700000" algn="tl">
+                    <a:srgbClr val="000000">
+                      <a:alpha val="43137"/>
+                    </a:srgbClr>
+                  </a:outerShdw>
+                </a:effectLst>
+              </a:rPr>
+              <a:t>Nagyobb nézet esetén látogasson el </a:t>
+            </a:r>
+            <a:r>
+              <a:rPr lang="hu-HU" sz="3600" b="1" i="1" dirty="0">
+                <a:effectLst>
+                  <a:outerShdw blurRad="38100" dist="38100" dir="2700000" algn="tl">
+                    <a:srgbClr val="000000">
+                      <a:alpha val="43137"/>
+                    </a:srgbClr>
+                  </a:outerShdw>
+                </a:effectLst>
+                <a:hlinkClick r:id="rId3">
+                  <a:extLst>
+                    <a:ext uri="{A12FA001-AC4F-418D-AE19-62706E023703}">
+                      <ahyp:hlinkClr xmlns:ahyp="http://schemas.microsoft.com/office/drawing/2018/hyperlinkcolor" val="tx"/>
+                    </a:ext>
+                  </a:extLst>
+                </a:hlinkClick>
+              </a:rPr>
+              <a:t>ide</a:t>
+            </a:r>
+            <a:endParaRPr lang="hu-HU" sz="3600" b="1" i="1" dirty="0">
+              <a:effectLst>
+                <a:outerShdw blurRad="38100" dist="38100" dir="2700000" algn="tl">
+                  <a:srgbClr val="000000">
+                    <a:alpha val="43137"/>
+                  </a:srgbClr>
+                </a:outerShdw>
+              </a:effectLst>
+            </a:endParaRPr>
+          </a:p>
+        </p:txBody>
+      </p:sp>
+    </p:spTree>
+    <p:extLst>
+      <p:ext uri="{BB962C8B-B14F-4D97-AF65-F5344CB8AC3E}">
+        <p14:creationId xmlns:p14="http://schemas.microsoft.com/office/powerpoint/2010/main" val="3312206600"/>
+      </p:ext>
+    </p:extLst>
+  </p:cSld>
+  <p:clrMapOvr>
+    <a:masterClrMapping/>
+  </p:clrMapOvr>
+  <p:transition spd="slow">
+    <p:randomBar dir="vert"/>
+  </p:transition>
+</p:sld>
+</file>
+
+<file path=ppt/slides/slide7.xml><?xml version="1.0" encoding="utf-8"?>
+<p:sld xmlns:a="http://schemas.openxmlformats.org/drawingml/2006/main" xmlns:r="http://schemas.openxmlformats.org/officeDocument/2006/relationships" xmlns:p="http://schemas.openxmlformats.org/presentationml/2006/main">
+  <p:cSld>
+    <p:spTree>
+      <p:nvGrpSpPr>
+        <p:cNvPr id="1" name=""/>
+        <p:cNvGrpSpPr/>
+        <p:nvPr/>
+      </p:nvGrpSpPr>
+      <p:grpSpPr>
+        <a:xfrm>
+          <a:off x="0" y="0"/>
+          <a:ext cx="0" cy="0"/>
+          <a:chOff x="0" y="0"/>
+          <a:chExt cx="0" cy="0"/>
+        </a:xfrm>
+      </p:grpSpPr>
+      <p:sp>
+        <p:nvSpPr>
+          <p:cNvPr id="2" name="Cím 1">
+            <a:extLst>
+              <a:ext uri="{FF2B5EF4-FFF2-40B4-BE49-F238E27FC236}">
                 <a16:creationId xmlns:a16="http://schemas.microsoft.com/office/drawing/2014/main" id="{0E86C027-68EC-89DF-2292-701982B5B656}"/>
               </a:ext>
             </a:extLst>
@@ -6321,10 +6518,13 @@
   <p:clrMapOvr>
     <a:masterClrMapping/>
   </p:clrMapOvr>
+  <p:transition spd="slow">
+    <p:randomBar dir="vert"/>
+  </p:transition>
 </p:sld>
 </file>
 
-<file path=ppt/slides/slide7.xml><?xml version="1.0" encoding="utf-8"?>
+<file path=ppt/slides/slide8.xml><?xml version="1.0" encoding="utf-8"?>
 <p:sld xmlns:a="http://schemas.openxmlformats.org/drawingml/2006/main" xmlns:r="http://schemas.openxmlformats.org/officeDocument/2006/relationships" xmlns:p="http://schemas.openxmlformats.org/presentationml/2006/main">
   <p:cSld>
     <p:spTree>
@@ -6437,6 +6637,9 @@
   <p:clrMapOvr>
     <a:masterClrMapping/>
   </p:clrMapOvr>
+  <p:transition spd="slow">
+    <p:randomBar dir="vert"/>
+  </p:transition>
 </p:sld>
 </file>
 

--- a/munkamenet.pptx
+++ b/munkamenet.pptx
@@ -4071,7 +4071,9 @@
           <a:lstStyle/>
           <a:p>
             <a:r>
-              <a:rPr lang="hu-HU" sz="3600" dirty="0"/>
+              <a:rPr lang="hu-HU" sz="3600" i="1" dirty="0">
+                <a:latin typeface="Bahnschrift SemiCondensed" panose="020B0502040204020203" pitchFamily="34" charset="0"/>
+              </a:rPr>
               <a:t>Platformok Amin dolgoztunk</a:t>
             </a:r>
           </a:p>
@@ -4370,7 +4372,7 @@
             </a:pPr>
             <a:r>
               <a:rPr lang="hu-HU" sz="2000" dirty="0"/>
-              <a:t>Word (</a:t>
+              <a:t>Jegyzettömb (</a:t>
             </a:r>
             <a:r>
               <a:rPr lang="hu-HU" sz="2000" b="1" i="1" dirty="0">
@@ -4382,7 +4384,7 @@
                   </a:outerShdw>
                 </a:effectLst>
               </a:rPr>
-              <a:t>Folyamat ábra rajzolása</a:t>
+              <a:t>Folyamat ábra leírása</a:t>
             </a:r>
             <a:r>
               <a:rPr lang="hu-HU" sz="2000" dirty="0"/>
@@ -5784,7 +5786,9 @@
           <a:lstStyle/>
           <a:p>
             <a:r>
-              <a:rPr lang="hu-HU" dirty="0"/>
+              <a:rPr lang="hu-HU" dirty="0">
+                <a:latin typeface="Bahnschrift SemiCondensed" panose="020B0502040204020203" pitchFamily="34" charset="0"/>
+              </a:rPr>
               <a:t>HTML, CSS                                      </a:t>
             </a:r>
             <a:r>
@@ -5796,6 +5800,7 @@
                     </a:srgbClr>
                   </a:outerShdw>
                 </a:effectLst>
+                <a:latin typeface="Bahnschrift SemiCondensed" panose="020B0502040204020203" pitchFamily="34" charset="0"/>
               </a:rPr>
               <a:t>H. Bence Dolgozott vele</a:t>
             </a:r>
@@ -5807,6 +5812,7 @@
                   </a:srgbClr>
                 </a:outerShdw>
               </a:effectLst>
+              <a:latin typeface="Bahnschrift SemiCondensed" panose="020B0502040204020203" pitchFamily="34" charset="0"/>
             </a:endParaRPr>
           </a:p>
         </p:txBody>
@@ -6051,15 +6057,19 @@
           <a:lstStyle/>
           <a:p>
             <a:r>
-              <a:rPr lang="hu-HU"/>
+              <a:rPr lang="hu-HU" dirty="0">
+                <a:latin typeface="Bahnschrift SemiCondensed" panose="020B0502040204020203" pitchFamily="34" charset="0"/>
+              </a:rPr>
               <a:t>JavaScript</a:t>
             </a:r>
             <a:r>
-              <a:rPr lang="hu-HU" sz="2400"/>
-              <a:t>                                                                             </a:t>
-            </a:r>
-            <a:r>
-              <a:rPr lang="hu-HU" sz="2400" b="1" i="1">
+              <a:rPr lang="hu-HU" sz="2400" dirty="0">
+                <a:latin typeface="Bahnschrift SemiCondensed" panose="020B0502040204020203" pitchFamily="34" charset="0"/>
+              </a:rPr>
+              <a:t>                                                                         </a:t>
+            </a:r>
+            <a:r>
+              <a:rPr lang="hu-HU" sz="2400" b="1" i="1" dirty="0">
                 <a:effectLst>
                   <a:outerShdw blurRad="38100" dist="38100" dir="2700000" algn="tl">
                     <a:srgbClr val="000000">
@@ -6067,10 +6077,13 @@
                     </a:srgbClr>
                   </a:outerShdw>
                 </a:effectLst>
+                <a:latin typeface="Bahnschrift SemiCondensed" panose="020B0502040204020203" pitchFamily="34" charset="0"/>
               </a:rPr>
               <a:t>H. Bence Dolgozott vele</a:t>
             </a:r>
-            <a:endParaRPr lang="hu-HU" dirty="0"/>
+            <a:endParaRPr lang="hu-HU" dirty="0">
+              <a:latin typeface="Bahnschrift SemiCondensed" panose="020B0502040204020203" pitchFamily="34" charset="0"/>
+            </a:endParaRPr>
           </a:p>
         </p:txBody>
       </p:sp>
@@ -6184,8 +6197,10 @@
           <a:lstStyle/>
           <a:p>
             <a:r>
-              <a:rPr lang="hu-HU" dirty="0"/>
-              <a:t>Folyamatábra                                           </a:t>
+              <a:rPr lang="hu-HU" dirty="0">
+                <a:latin typeface="Bahnschrift SemiCondensed" panose="020B0502040204020203" pitchFamily="34" charset="0"/>
+              </a:rPr>
+              <a:t>Folyamatábra                                          </a:t>
             </a:r>
             <a:r>
               <a:rPr lang="hu-HU" sz="2400" b="1" i="1" dirty="0">
@@ -6196,6 +6211,7 @@
                     </a:srgbClr>
                   </a:outerShdw>
                 </a:effectLst>
+                <a:latin typeface="Bahnschrift SemiCondensed" panose="020B0502040204020203" pitchFamily="34" charset="0"/>
               </a:rPr>
               <a:t>Közös készítés</a:t>
             </a:r>
@@ -6363,8 +6379,10 @@
           <a:lstStyle/>
           <a:p>
             <a:r>
-              <a:rPr lang="hu-HU" dirty="0"/>
-              <a:t>Folyamat ábra leírása                         </a:t>
+              <a:rPr lang="hu-HU" dirty="0">
+                <a:latin typeface="Bahnschrift SemiCondensed" panose="020B0502040204020203" pitchFamily="34" charset="0"/>
+              </a:rPr>
+              <a:t>Folyamat ábra leírása                        </a:t>
             </a:r>
             <a:r>
               <a:rPr lang="hu-HU" sz="2400" b="1" i="1" dirty="0">
@@ -6375,6 +6393,7 @@
                     </a:srgbClr>
                   </a:outerShdw>
                 </a:effectLst>
+                <a:latin typeface="Bahnschrift SemiCondensed" panose="020B0502040204020203" pitchFamily="34" charset="0"/>
               </a:rPr>
               <a:t>Készítette: K. Bence</a:t>
             </a:r>

--- a/munkamenet.pptx
+++ b/munkamenet.pptx
@@ -204,7 +204,7 @@
           <a:p>
             <a:fld id="{B3945384-1BF7-47BB-A2F3-C7FF53CD07DE}" type="datetimeFigureOut">
               <a:rPr lang="hu-HU" smtClean="0"/>
-              <a:t>2022. 06. 08.</a:t>
+              <a:t>2022. 06. 09.</a:t>
             </a:fld>
             <a:endParaRPr lang="hu-HU"/>
           </a:p>
@@ -702,7 +702,7 @@
           <a:p>
             <a:fld id="{727EAB5E-690A-4977-80E3-E06A2D62E023}" type="datetimeFigureOut">
               <a:rPr lang="hu-HU" smtClean="0"/>
-              <a:t>2022. 06. 08.</a:t>
+              <a:t>2022. 06. 09.</a:t>
             </a:fld>
             <a:endParaRPr lang="hu-HU"/>
           </a:p>
@@ -900,7 +900,7 @@
           <a:p>
             <a:fld id="{727EAB5E-690A-4977-80E3-E06A2D62E023}" type="datetimeFigureOut">
               <a:rPr lang="hu-HU" smtClean="0"/>
-              <a:t>2022. 06. 08.</a:t>
+              <a:t>2022. 06. 09.</a:t>
             </a:fld>
             <a:endParaRPr lang="hu-HU"/>
           </a:p>
@@ -1108,7 +1108,7 @@
           <a:p>
             <a:fld id="{727EAB5E-690A-4977-80E3-E06A2D62E023}" type="datetimeFigureOut">
               <a:rPr lang="hu-HU" smtClean="0"/>
-              <a:t>2022. 06. 08.</a:t>
+              <a:t>2022. 06. 09.</a:t>
             </a:fld>
             <a:endParaRPr lang="hu-HU"/>
           </a:p>
@@ -1306,7 +1306,7 @@
           <a:p>
             <a:fld id="{727EAB5E-690A-4977-80E3-E06A2D62E023}" type="datetimeFigureOut">
               <a:rPr lang="hu-HU" smtClean="0"/>
-              <a:t>2022. 06. 08.</a:t>
+              <a:t>2022. 06. 09.</a:t>
             </a:fld>
             <a:endParaRPr lang="hu-HU"/>
           </a:p>
@@ -1581,7 +1581,7 @@
           <a:p>
             <a:fld id="{727EAB5E-690A-4977-80E3-E06A2D62E023}" type="datetimeFigureOut">
               <a:rPr lang="hu-HU" smtClean="0"/>
-              <a:t>2022. 06. 08.</a:t>
+              <a:t>2022. 06. 09.</a:t>
             </a:fld>
             <a:endParaRPr lang="hu-HU"/>
           </a:p>
@@ -1846,7 +1846,7 @@
           <a:p>
             <a:fld id="{727EAB5E-690A-4977-80E3-E06A2D62E023}" type="datetimeFigureOut">
               <a:rPr lang="hu-HU" smtClean="0"/>
-              <a:t>2022. 06. 08.</a:t>
+              <a:t>2022. 06. 09.</a:t>
             </a:fld>
             <a:endParaRPr lang="hu-HU"/>
           </a:p>
@@ -2258,7 +2258,7 @@
           <a:p>
             <a:fld id="{727EAB5E-690A-4977-80E3-E06A2D62E023}" type="datetimeFigureOut">
               <a:rPr lang="hu-HU" smtClean="0"/>
-              <a:t>2022. 06. 08.</a:t>
+              <a:t>2022. 06. 09.</a:t>
             </a:fld>
             <a:endParaRPr lang="hu-HU"/>
           </a:p>
@@ -2399,7 +2399,7 @@
           <a:p>
             <a:fld id="{727EAB5E-690A-4977-80E3-E06A2D62E023}" type="datetimeFigureOut">
               <a:rPr lang="hu-HU" smtClean="0"/>
-              <a:t>2022. 06. 08.</a:t>
+              <a:t>2022. 06. 09.</a:t>
             </a:fld>
             <a:endParaRPr lang="hu-HU"/>
           </a:p>
@@ -2512,7 +2512,7 @@
           <a:p>
             <a:fld id="{727EAB5E-690A-4977-80E3-E06A2D62E023}" type="datetimeFigureOut">
               <a:rPr lang="hu-HU" smtClean="0"/>
-              <a:t>2022. 06. 08.</a:t>
+              <a:t>2022. 06. 09.</a:t>
             </a:fld>
             <a:endParaRPr lang="hu-HU"/>
           </a:p>
@@ -2823,7 +2823,7 @@
           <a:p>
             <a:fld id="{727EAB5E-690A-4977-80E3-E06A2D62E023}" type="datetimeFigureOut">
               <a:rPr lang="hu-HU" smtClean="0"/>
-              <a:t>2022. 06. 08.</a:t>
+              <a:t>2022. 06. 09.</a:t>
             </a:fld>
             <a:endParaRPr lang="hu-HU"/>
           </a:p>
@@ -3111,7 +3111,7 @@
           <a:p>
             <a:fld id="{727EAB5E-690A-4977-80E3-E06A2D62E023}" type="datetimeFigureOut">
               <a:rPr lang="hu-HU" smtClean="0"/>
-              <a:t>2022. 06. 08.</a:t>
+              <a:t>2022. 06. 09.</a:t>
             </a:fld>
             <a:endParaRPr lang="hu-HU"/>
           </a:p>
@@ -3352,7 +3352,7 @@
           <a:p>
             <a:fld id="{727EAB5E-690A-4977-80E3-E06A2D62E023}" type="datetimeFigureOut">
               <a:rPr lang="hu-HU" smtClean="0"/>
-              <a:t>2022. 06. 08.</a:t>
+              <a:t>2022. 06. 09.</a:t>
             </a:fld>
             <a:endParaRPr lang="hu-HU"/>
           </a:p>
@@ -3987,7 +3987,7 @@
                 <a16:creationId xmlns:a16="http://schemas.microsoft.com/office/drawing/2014/main" id="{2B566528-1B12-4246-9431-5C2D7D081168}"/>
               </a:ext>
               <a:ext uri="{C183D7F6-B498-43B3-948B-1728B52AA6E4}">
-                <adec:decorative xmlns:adec="http://schemas.microsoft.com/office/drawing/2017/decorative" val="1"/>
+                <adec:decorative xmlns:adec="http://schemas.microsoft.com/office/drawing/2017/decorative" xmlns="" val="1"/>
               </a:ext>
             </a:extLst>
           </p:cNvPr>
@@ -4087,7 +4087,7 @@
                 <a16:creationId xmlns:a16="http://schemas.microsoft.com/office/drawing/2014/main" id="{912209CB-3E4C-43AE-B507-08269FAE89F5}"/>
               </a:ext>
               <a:ext uri="{C183D7F6-B498-43B3-948B-1728B52AA6E4}">
-                <adec:decorative xmlns:adec="http://schemas.microsoft.com/office/drawing/2017/decorative" val="1"/>
+                <adec:decorative xmlns:adec="http://schemas.microsoft.com/office/drawing/2017/decorative" xmlns="" val="1"/>
               </a:ext>
             </a:extLst>
           </p:cNvPr>
@@ -4118,7 +4118,7 @@
                   <a16:creationId xmlns:a16="http://schemas.microsoft.com/office/drawing/2014/main" id="{A580F890-B085-4E95-96AA-55AEBEC5CE6E}"/>
                 </a:ext>
                 <a:ext uri="{C183D7F6-B498-43B3-948B-1728B52AA6E4}">
-                  <adec:decorative xmlns:adec="http://schemas.microsoft.com/office/drawing/2017/decorative" val="1"/>
+                  <adec:decorative xmlns:adec="http://schemas.microsoft.com/office/drawing/2017/decorative" xmlns="" val="1"/>
                 </a:ext>
               </a:extLst>
             </p:cNvPr>
@@ -4183,7 +4183,7 @@
                   <a16:creationId xmlns:a16="http://schemas.microsoft.com/office/drawing/2014/main" id="{7BCB7912-FEA6-4C89-8E9B-D95EF15647EA}"/>
                 </a:ext>
                 <a:ext uri="{C183D7F6-B498-43B3-948B-1728B52AA6E4}">
-                  <adec:decorative xmlns:adec="http://schemas.microsoft.com/office/drawing/2017/decorative" val="1"/>
+                  <adec:decorative xmlns:adec="http://schemas.microsoft.com/office/drawing/2017/decorative" xmlns="" val="1"/>
                 </a:ext>
               </a:extLst>
             </p:cNvPr>
@@ -4544,7 +4544,7 @@
                 <a16:creationId xmlns:a16="http://schemas.microsoft.com/office/drawing/2014/main" id="{D3F51FEB-38FB-4F6C-9F7B-2F2AFAB65463}"/>
               </a:ext>
               <a:ext uri="{C183D7F6-B498-43B3-948B-1728B52AA6E4}">
-                <adec:decorative xmlns:adec="http://schemas.microsoft.com/office/drawing/2017/decorative" val="1"/>
+                <adec:decorative xmlns:adec="http://schemas.microsoft.com/office/drawing/2017/decorative" xmlns="" val="1"/>
               </a:ext>
             </a:extLst>
           </p:cNvPr>
@@ -4611,7 +4611,7 @@
                 <a16:creationId xmlns:a16="http://schemas.microsoft.com/office/drawing/2014/main" id="{1E547BA6-BAE0-43BB-A7CA-60F69CE252F0}"/>
               </a:ext>
               <a:ext uri="{C183D7F6-B498-43B3-948B-1728B52AA6E4}">
-                <adec:decorative xmlns:adec="http://schemas.microsoft.com/office/drawing/2017/decorative" val="1"/>
+                <adec:decorative xmlns:adec="http://schemas.microsoft.com/office/drawing/2017/decorative" xmlns="" val="1"/>
               </a:ext>
             </a:extLst>
           </p:cNvPr>
@@ -5699,7 +5699,7 @@
           <p:nvPr/>
         </p:nvPicPr>
         <p:blipFill>
-          <a:blip r:embed="rId3">
+          <a:blip r:embed="rId3" cstate="hqprint">
             <a:extLst>
               <a:ext uri="{28A0092B-C50C-407E-A947-70E740481C1C}">
                 <a14:useLocalDpi xmlns:a14="http://schemas.microsoft.com/office/drawing/2010/main" val="0"/>
@@ -6267,7 +6267,7 @@
         </p:nvSpPr>
         <p:spPr>
           <a:xfrm>
-            <a:off x="464457" y="1930400"/>
+            <a:off x="464457" y="1904023"/>
             <a:ext cx="3439886" cy="1754326"/>
           </a:xfrm>
           <a:prstGeom prst="rect">
@@ -6305,7 +6305,7 @@
                 <a:hlinkClick r:id="rId3">
                   <a:extLst>
                     <a:ext uri="{A12FA001-AC4F-418D-AE19-62706E023703}">
-                      <ahyp:hlinkClr xmlns:ahyp="http://schemas.microsoft.com/office/drawing/2018/hyperlinkcolor" val="tx"/>
+                      <ahyp:hlinkClr xmlns:ahyp="http://schemas.microsoft.com/office/drawing/2018/hyperlinkcolor" xmlns="" val="tx"/>
                     </a:ext>
                   </a:extLst>
                 </a:hlinkClick>
@@ -6427,7 +6427,7 @@
               <a:buNone/>
             </a:pPr>
             <a:r>
-              <a:rPr lang="hu-HU" sz="6000" b="1" i="1" dirty="0">
+              <a:rPr lang="hu-HU" sz="6000" b="1" i="1" dirty="0" smtClean="0">
                 <a:effectLst>
                   <a:outerShdw blurRad="38100" dist="38100" dir="2700000" algn="tl">
                     <a:srgbClr val="000000">
@@ -6439,7 +6439,7 @@
               <a:t>Hbence10 nevű </a:t>
             </a:r>
             <a:r>
-              <a:rPr lang="hu-HU" sz="6000" b="1" i="1" dirty="0" err="1">
+              <a:rPr lang="hu-HU" sz="6000" b="1" i="1" dirty="0" err="1" smtClean="0">
                 <a:effectLst>
                   <a:outerShdw blurRad="38100" dist="38100" dir="2700000" algn="tl">
                     <a:srgbClr val="000000">
@@ -6452,7 +6452,7 @@
               <a:t>Github</a:t>
             </a:r>
             <a:r>
-              <a:rPr lang="hu-HU" sz="6000" b="1" i="1" dirty="0">
+              <a:rPr lang="hu-HU" sz="6000" b="1" i="1" dirty="0" smtClean="0">
                 <a:effectLst>
                   <a:outerShdw blurRad="38100" dist="38100" dir="2700000" algn="tl">
                     <a:srgbClr val="000000">
@@ -6465,7 +6465,7 @@
               <a:t> Profilján </a:t>
             </a:r>
             <a:r>
-              <a:rPr lang="hu-HU" sz="6000" b="1" i="1" dirty="0">
+              <a:rPr lang="hu-HU" sz="6000" b="1" i="1" dirty="0" smtClean="0">
                 <a:effectLst>
                   <a:outerShdw blurRad="38100" dist="38100" dir="2700000" algn="tl">
                     <a:srgbClr val="000000">
@@ -6477,7 +6477,7 @@
               <a:t>az </a:t>
             </a:r>
             <a:r>
-              <a:rPr lang="hu-HU" sz="6000" b="1" i="1" dirty="0" err="1">
+              <a:rPr lang="hu-HU" sz="6000" b="1" i="1" dirty="0" err="1" smtClean="0">
                 <a:effectLst>
                   <a:outerShdw blurRad="38100" dist="38100" dir="2700000" algn="tl">
                     <a:srgbClr val="000000">
@@ -6489,7 +6489,7 @@
               <a:t>alogritmus</a:t>
             </a:r>
             <a:r>
-              <a:rPr lang="hu-HU" sz="6000" b="1" i="1" dirty="0">
+              <a:rPr lang="hu-HU" sz="6000" b="1" i="1" dirty="0" smtClean="0">
                 <a:effectLst>
                   <a:outerShdw blurRad="38100" dist="38100" dir="2700000" algn="tl">
                     <a:srgbClr val="000000">
@@ -6501,7 +6501,7 @@
               <a:t>-projekt nevű </a:t>
             </a:r>
             <a:r>
-              <a:rPr lang="hu-HU" sz="6000" b="1" i="1" dirty="0" err="1">
+              <a:rPr lang="hu-HU" sz="6000" b="1" i="1" dirty="0" err="1" smtClean="0">
                 <a:effectLst>
                   <a:outerShdw blurRad="38100" dist="38100" dir="2700000" algn="tl">
                     <a:srgbClr val="000000">
@@ -6513,7 +6513,7 @@
               <a:t>repositoriban</a:t>
             </a:r>
             <a:r>
-              <a:rPr lang="hu-HU" sz="6000" b="1" i="1" dirty="0">
+              <a:rPr lang="hu-HU" sz="6000" b="1" i="1" dirty="0" smtClean="0">
                 <a:effectLst>
                   <a:outerShdw blurRad="38100" dist="38100" dir="2700000" algn="tl">
                     <a:srgbClr val="000000">
@@ -6524,6 +6524,15 @@
               </a:rPr>
               <a:t> található</a:t>
             </a:r>
+            <a:endParaRPr lang="hu-HU" sz="6000" b="1" i="1" dirty="0">
+              <a:effectLst>
+                <a:outerShdw blurRad="38100" dist="38100" dir="2700000" algn="tl">
+                  <a:srgbClr val="000000">
+                    <a:alpha val="43137"/>
+                  </a:srgbClr>
+                </a:outerShdw>
+              </a:effectLst>
+            </a:endParaRPr>
           </a:p>
         </p:txBody>
       </p:sp>
